--- a/2024-07-15V2.pptx
+++ b/2024-07-15V2.pptx
@@ -204,7 +204,7 @@
           <a:p>
             <a:fld id="{D9374ACA-3954-42E3-B51E-F6598EAA97F2}" type="datetimeFigureOut">
               <a:rPr lang="pt-BR" smtClean="0"/>
-              <a:t>11/07/2024</a:t>
+              <a:t>15/07/2024</a:t>
             </a:fld>
             <a:endParaRPr lang="pt-BR"/>
           </a:p>
@@ -1277,7 +1277,7 @@
           <a:p>
             <a:fld id="{3847EC4F-048C-499A-9D4E-DFDB1061565D}" type="datetime1">
               <a:rPr lang="pt-BR" smtClean="0"/>
-              <a:t>11/07/2024</a:t>
+              <a:t>15/07/2024</a:t>
             </a:fld>
             <a:endParaRPr lang="pt-BR"/>
           </a:p>
@@ -1505,7 +1505,7 @@
           <a:p>
             <a:fld id="{3B02893F-FD53-419E-9D45-9790A94DA4D0}" type="datetime1">
               <a:rPr lang="pt-BR" smtClean="0"/>
-              <a:t>11/07/2024</a:t>
+              <a:t>15/07/2024</a:t>
             </a:fld>
             <a:endParaRPr lang="pt-BR"/>
           </a:p>
@@ -2046,7 +2046,7 @@
           <a:p>
             <a:fld id="{F0A56DB4-4AEF-4152-BDB3-329CCB6072FA}" type="datetime1">
               <a:rPr lang="pt-BR" smtClean="0"/>
-              <a:t>11/07/2024</a:t>
+              <a:t>15/07/2024</a:t>
             </a:fld>
             <a:endParaRPr lang="pt-BR"/>
           </a:p>
@@ -2853,7 +2853,7 @@
             <a:fld id="{974FFC0B-9CD3-4EB1-8E25-0252DDCEF5C4}" type="datetime1">
               <a:rPr lang="pt-BR" smtClean="0"/>
               <a:pPr/>
-              <a:t>11/07/2024</a:t>
+              <a:t>15/07/2024</a:t>
             </a:fld>
             <a:endParaRPr lang="pt-BR" dirty="0"/>
           </a:p>
@@ -3712,7 +3712,7 @@
             <a:fld id="{93E7214A-6D00-4CA1-8A35-EDEED3307A75}" type="datetime1">
               <a:rPr lang="pt-BR" smtClean="0"/>
               <a:pPr/>
-              <a:t>11/07/2024</a:t>
+              <a:t>15/07/2024</a:t>
             </a:fld>
             <a:endParaRPr lang="pt-BR"/>
           </a:p>
@@ -4133,7 +4133,7 @@
               </a:buClr>
               <a:buFont typeface="Arial" panose="020B0604020202020204" pitchFamily="34" charset="0"/>
               <a:buNone/>
-              <a:defRPr lang="pt-BR" sz="3600" b="1" i="0" u="none" strike="noStrike" cap="none" dirty="0">
+              <a:defRPr lang="pt-BR" sz="2800" b="1" i="0" u="none" strike="noStrike" cap="none" dirty="0">
                 <a:solidFill>
                   <a:srgbClr val="FFC000"/>
                 </a:solidFill>
@@ -4226,7 +4226,7 @@
               </a:buClr>
               <a:buSzPts val="4400"/>
               <a:buFont typeface="Arial" panose="020B0604020202020204" pitchFamily="34" charset="0"/>
-              <a:defRPr lang="pt-BR" altLang="pt-BR" sz="4000" b="1" i="0" u="none" strike="noStrike" cap="none" baseline="0" dirty="0">
+              <a:defRPr lang="pt-BR" altLang="pt-BR" sz="3200" b="1" i="0" u="none" strike="noStrike" cap="none" baseline="0" dirty="0">
                 <a:solidFill>
                   <a:srgbClr val="FFFFFF"/>
                 </a:solidFill>
@@ -4417,7 +4417,7 @@
           <a:p>
             <a:fld id="{A05A2D86-F1E3-4BFB-BFA1-5406F3A8B1AD}" type="datetime1">
               <a:rPr lang="pt-BR" smtClean="0"/>
-              <a:t>11/07/2024</a:t>
+              <a:t>15/07/2024</a:t>
             </a:fld>
             <a:endParaRPr lang="pt-BR"/>
           </a:p>
@@ -5114,7 +5114,7 @@
           <a:p>
             <a:fld id="{32F85AFF-28FF-460E-8CBD-61F6616AD901}" type="datetime1">
               <a:rPr lang="pt-BR" smtClean="0"/>
-              <a:t>11/07/2024</a:t>
+              <a:t>15/07/2024</a:t>
             </a:fld>
             <a:endParaRPr lang="pt-BR"/>
           </a:p>
@@ -5569,7 +5569,7 @@
           <a:p>
             <a:fld id="{2A64B9EC-648F-477D-9DCE-3683D761A52A}" type="datetime1">
               <a:rPr lang="pt-BR" smtClean="0"/>
-              <a:t>11/07/2024</a:t>
+              <a:t>15/07/2024</a:t>
             </a:fld>
             <a:endParaRPr lang="pt-BR"/>
           </a:p>
@@ -6024,7 +6024,7 @@
           <a:p>
             <a:fld id="{A28D4654-34BB-43FC-8F77-7271489CE0F7}" type="datetime1">
               <a:rPr lang="pt-BR" smtClean="0"/>
-              <a:t>11/07/2024</a:t>
+              <a:t>15/07/2024</a:t>
             </a:fld>
             <a:endParaRPr lang="pt-BR"/>
           </a:p>
@@ -6702,7 +6702,7 @@
           <a:p>
             <a:fld id="{19BB168A-4011-419D-847C-9B52BF257044}" type="datetime1">
               <a:rPr lang="pt-BR" smtClean="0"/>
-              <a:t>11/07/2024</a:t>
+              <a:t>15/07/2024</a:t>
             </a:fld>
             <a:endParaRPr lang="pt-BR"/>
           </a:p>
@@ -6954,7 +6954,7 @@
           <a:p>
             <a:fld id="{ADAF0E14-C222-4E2D-87CA-08392E1CA5F1}" type="datetime1">
               <a:rPr lang="pt-BR" smtClean="0"/>
-              <a:t>11/07/2024</a:t>
+              <a:t>15/07/2024</a:t>
             </a:fld>
             <a:endParaRPr lang="pt-BR"/>
           </a:p>
@@ -28598,7 +28598,7 @@
           <a:p>
             <a:r>
               <a:rPr/>
-              <a:t>RECEITA TOTAL LIQUÍDA</a:t>
+              <a:t>RECEITA TOTAL LÍQUIDA</a:t>
             </a:r>
           </a:p>
         </p:txBody>
@@ -30259,51 +30259,216 @@
         </p:sp>
         <p:sp>
           <p:nvSpPr>
-            <p:cNvPr id="42" name="pl37"/>
+            <p:cNvPr id="42" name="pg37"/>
             <p:cNvSpPr/>
             <p:nvPr/>
           </p:nvSpPr>
           <p:spPr>
             <a:xfrm>
-              <a:off x="6943073" y="2576952"/>
-              <a:ext cx="4288048" cy="2549250"/>
+              <a:off x="8888695" y="2576952"/>
+              <a:ext cx="2342426" cy="2090043"/>
             </a:xfrm>
             <a:custGeom>
               <a:avLst/>
               <a:pathLst>
-                <a:path w="4288048" h="2549250">
+                <a:path w="2342426" h="2090043">
                   <a:moveTo>
-                    <a:pt x="0" y="1982515"/>
+                    <a:pt x="0" y="1608530"/>
                   </a:moveTo>
                   <a:lnTo>
-                    <a:pt x="396804" y="2466669"/>
-                  </a:lnTo>
-                  <a:lnTo>
-                    <a:pt x="768008" y="2549250"/>
-                  </a:lnTo>
-                  <a:lnTo>
-                    <a:pt x="1164813" y="2352356"/>
-                  </a:lnTo>
-                  <a:lnTo>
-                    <a:pt x="1548817" y="1233222"/>
-                  </a:lnTo>
-                  <a:lnTo>
-                    <a:pt x="1945622" y="1693976"/>
-                  </a:lnTo>
-                  <a:lnTo>
-                    <a:pt x="2329626" y="1499465"/>
-                  </a:lnTo>
-                  <a:lnTo>
-                    <a:pt x="2726430" y="1789231"/>
-                  </a:lnTo>
-                  <a:lnTo>
-                    <a:pt x="3123235" y="1823869"/>
-                  </a:lnTo>
-                  <a:lnTo>
-                    <a:pt x="3507239" y="778337"/>
-                  </a:lnTo>
-                  <a:lnTo>
-                    <a:pt x="3904044" y="1133743"/>
+                    <a:pt x="384004" y="1423830"/>
+                  </a:lnTo>
+                  <a:lnTo>
+                    <a:pt x="780808" y="1698980"/>
+                  </a:lnTo>
+                  <a:lnTo>
+                    <a:pt x="1177613" y="1731872"/>
+                  </a:lnTo>
+                  <a:lnTo>
+                    <a:pt x="1561617" y="739077"/>
+                  </a:lnTo>
+                  <a:lnTo>
+                    <a:pt x="1958422" y="1076556"/>
+                  </a:lnTo>
+                  <a:lnTo>
+                    <a:pt x="2342426" y="0"/>
+                  </a:lnTo>
+                  <a:lnTo>
+                    <a:pt x="2342426" y="435494"/>
+                  </a:lnTo>
+                  <a:lnTo>
+                    <a:pt x="1958422" y="1463985"/>
+                  </a:lnTo>
+                  <a:lnTo>
+                    <a:pt x="1561617" y="1141573"/>
+                  </a:lnTo>
+                  <a:lnTo>
+                    <a:pt x="1177613" y="2090043"/>
+                  </a:lnTo>
+                  <a:lnTo>
+                    <a:pt x="780808" y="2058620"/>
+                  </a:lnTo>
+                  <a:lnTo>
+                    <a:pt x="384004" y="1795754"/>
+                  </a:lnTo>
+                  <a:lnTo>
+                    <a:pt x="0" y="1972208"/>
+                  </a:lnTo>
+                  <a:close/>
+                </a:path>
+              </a:pathLst>
+            </a:custGeom>
+            <a:solidFill>
+              <a:srgbClr val="CCCCCC">
+                <a:alpha val="50196"/>
+              </a:srgbClr>
+            </a:solidFill>
+          </p:spPr>
+          <p:txBody>
+            <a:bodyPr/>
+            <a:lstStyle/>
+            <a:p/>
+          </p:txBody>
+        </p:sp>
+        <p:sp>
+          <p:nvSpPr>
+            <p:cNvPr id="43" name="pl38"/>
+            <p:cNvSpPr/>
+            <p:nvPr/>
+          </p:nvSpPr>
+          <p:spPr>
+            <a:xfrm>
+              <a:off x="8888695" y="2576952"/>
+              <a:ext cx="2342426" cy="1731872"/>
+            </a:xfrm>
+            <a:custGeom>
+              <a:avLst/>
+              <a:pathLst>
+                <a:path w="2342426" h="1731872">
+                  <a:moveTo>
+                    <a:pt x="0" y="1608530"/>
+                  </a:moveTo>
+                  <a:lnTo>
+                    <a:pt x="384004" y="1423830"/>
+                  </a:lnTo>
+                  <a:lnTo>
+                    <a:pt x="780808" y="1698980"/>
+                  </a:lnTo>
+                  <a:lnTo>
+                    <a:pt x="1177613" y="1731872"/>
+                  </a:lnTo>
+                  <a:lnTo>
+                    <a:pt x="1561617" y="739077"/>
+                  </a:lnTo>
+                  <a:lnTo>
+                    <a:pt x="1958422" y="1076556"/>
+                  </a:lnTo>
+                  <a:lnTo>
+                    <a:pt x="2342426" y="0"/>
+                  </a:lnTo>
+                </a:path>
+              </a:pathLst>
+            </a:custGeom>
+          </p:spPr>
+          <p:txBody>
+            <a:bodyPr/>
+            <a:lstStyle/>
+            <a:p/>
+          </p:txBody>
+        </p:sp>
+        <p:sp>
+          <p:nvSpPr>
+            <p:cNvPr id="44" name="pl39"/>
+            <p:cNvSpPr/>
+            <p:nvPr/>
+          </p:nvSpPr>
+          <p:spPr>
+            <a:xfrm>
+              <a:off x="8888695" y="3012446"/>
+              <a:ext cx="2342426" cy="1654548"/>
+            </a:xfrm>
+            <a:custGeom>
+              <a:avLst/>
+              <a:pathLst>
+                <a:path w="2342426" h="1654548">
+                  <a:moveTo>
+                    <a:pt x="2342426" y="0"/>
+                  </a:moveTo>
+                  <a:lnTo>
+                    <a:pt x="1958422" y="1028491"/>
+                  </a:lnTo>
+                  <a:lnTo>
+                    <a:pt x="1561617" y="706079"/>
+                  </a:lnTo>
+                  <a:lnTo>
+                    <a:pt x="1177613" y="1654548"/>
+                  </a:lnTo>
+                  <a:lnTo>
+                    <a:pt x="780808" y="1623125"/>
+                  </a:lnTo>
+                  <a:lnTo>
+                    <a:pt x="384004" y="1360260"/>
+                  </a:lnTo>
+                  <a:lnTo>
+                    <a:pt x="0" y="1536714"/>
+                  </a:lnTo>
+                </a:path>
+              </a:pathLst>
+            </a:custGeom>
+          </p:spPr>
+          <p:txBody>
+            <a:bodyPr/>
+            <a:lstStyle/>
+            <a:p/>
+          </p:txBody>
+        </p:sp>
+        <p:sp>
+          <p:nvSpPr>
+            <p:cNvPr id="45" name="pl40"/>
+            <p:cNvSpPr/>
+            <p:nvPr/>
+          </p:nvSpPr>
+          <p:spPr>
+            <a:xfrm>
+              <a:off x="6943073" y="2794699"/>
+              <a:ext cx="4288048" cy="2366626"/>
+            </a:xfrm>
+            <a:custGeom>
+              <a:avLst/>
+              <a:pathLst>
+                <a:path w="4288048" h="2366626">
+                  <a:moveTo>
+                    <a:pt x="0" y="1840491"/>
+                  </a:moveTo>
+                  <a:lnTo>
+                    <a:pt x="396804" y="2289960"/>
+                  </a:lnTo>
+                  <a:lnTo>
+                    <a:pt x="768008" y="2366626"/>
+                  </a:lnTo>
+                  <a:lnTo>
+                    <a:pt x="1164813" y="2183837"/>
+                  </a:lnTo>
+                  <a:lnTo>
+                    <a:pt x="1548817" y="1144876"/>
+                  </a:lnTo>
+                  <a:lnTo>
+                    <a:pt x="1945622" y="1572622"/>
+                  </a:lnTo>
+                  <a:lnTo>
+                    <a:pt x="2329626" y="1392045"/>
+                  </a:lnTo>
+                  <a:lnTo>
+                    <a:pt x="2726430" y="1661053"/>
+                  </a:lnTo>
+                  <a:lnTo>
+                    <a:pt x="3123235" y="1693210"/>
+                  </a:lnTo>
+                  <a:lnTo>
+                    <a:pt x="3507239" y="722578"/>
+                  </a:lnTo>
+                  <a:lnTo>
+                    <a:pt x="3904044" y="1052523"/>
                   </a:lnTo>
                   <a:lnTo>
                     <a:pt x="4288048" y="0"/>
@@ -30329,54 +30494,54 @@
         </p:sp>
         <p:sp>
           <p:nvSpPr>
-            <p:cNvPr id="43" name="pl38"/>
+            <p:cNvPr id="46" name="pl41"/>
             <p:cNvSpPr/>
             <p:nvPr/>
           </p:nvSpPr>
           <p:spPr>
             <a:xfrm>
-              <a:off x="6943073" y="3507143"/>
-              <a:ext cx="4288048" cy="2109331"/>
+              <a:off x="6943073" y="3658253"/>
+              <a:ext cx="4288048" cy="1958222"/>
             </a:xfrm>
             <a:custGeom>
               <a:avLst/>
               <a:pathLst>
-                <a:path w="4288048" h="2109331">
+                <a:path w="4288048" h="1958222">
                   <a:moveTo>
-                    <a:pt x="0" y="2109331"/>
+                    <a:pt x="0" y="1958222"/>
                   </a:moveTo>
                   <a:lnTo>
-                    <a:pt x="396804" y="2076700"/>
-                  </a:lnTo>
-                  <a:lnTo>
-                    <a:pt x="768008" y="1737777"/>
-                  </a:lnTo>
-                  <a:lnTo>
-                    <a:pt x="1164813" y="1322814"/>
-                  </a:lnTo>
-                  <a:lnTo>
-                    <a:pt x="1548817" y="1620225"/>
-                  </a:lnTo>
-                  <a:lnTo>
-                    <a:pt x="1945622" y="1858456"/>
-                  </a:lnTo>
-                  <a:lnTo>
-                    <a:pt x="2329626" y="1601175"/>
-                  </a:lnTo>
-                  <a:lnTo>
-                    <a:pt x="2726430" y="1671686"/>
-                  </a:lnTo>
-                  <a:lnTo>
-                    <a:pt x="3123235" y="1390800"/>
-                  </a:lnTo>
-                  <a:lnTo>
-                    <a:pt x="3507239" y="288266"/>
+                    <a:pt x="396804" y="1927929"/>
+                  </a:lnTo>
+                  <a:lnTo>
+                    <a:pt x="768008" y="1613285"/>
+                  </a:lnTo>
+                  <a:lnTo>
+                    <a:pt x="1164813" y="1228050"/>
+                  </a:lnTo>
+                  <a:lnTo>
+                    <a:pt x="1548817" y="1504155"/>
+                  </a:lnTo>
+                  <a:lnTo>
+                    <a:pt x="1945622" y="1725319"/>
+                  </a:lnTo>
+                  <a:lnTo>
+                    <a:pt x="2329626" y="1486469"/>
+                  </a:lnTo>
+                  <a:lnTo>
+                    <a:pt x="2726430" y="1551929"/>
+                  </a:lnTo>
+                  <a:lnTo>
+                    <a:pt x="3123235" y="1291165"/>
+                  </a:lnTo>
+                  <a:lnTo>
+                    <a:pt x="3507239" y="267615"/>
                   </a:lnTo>
                   <a:lnTo>
                     <a:pt x="3904044" y="0"/>
                   </a:lnTo>
                   <a:lnTo>
-                    <a:pt x="4288048" y="81618"/>
+                    <a:pt x="4288048" y="75771"/>
                   </a:lnTo>
                 </a:path>
               </a:pathLst>
@@ -30399,36 +30564,36 @@
         </p:sp>
         <p:sp>
           <p:nvSpPr>
-            <p:cNvPr id="44" name="pl39"/>
+            <p:cNvPr id="47" name="pl42"/>
             <p:cNvSpPr/>
             <p:nvPr/>
           </p:nvSpPr>
           <p:spPr>
             <a:xfrm>
-              <a:off x="6943073" y="3810085"/>
-              <a:ext cx="1945622" cy="1673698"/>
+              <a:off x="6943073" y="3939492"/>
+              <a:ext cx="1945622" cy="1553797"/>
             </a:xfrm>
             <a:custGeom>
               <a:avLst/>
               <a:pathLst>
-                <a:path w="1945622" h="1673698">
+                <a:path w="1945622" h="1553797">
                   <a:moveTo>
-                    <a:pt x="0" y="749382"/>
+                    <a:pt x="0" y="695697"/>
                   </a:moveTo>
                   <a:lnTo>
-                    <a:pt x="396804" y="1027121"/>
-                  </a:lnTo>
-                  <a:lnTo>
-                    <a:pt x="768008" y="1673698"/>
-                  </a:lnTo>
-                  <a:lnTo>
-                    <a:pt x="1164813" y="660892"/>
+                    <a:pt x="396804" y="953539"/>
+                  </a:lnTo>
+                  <a:lnTo>
+                    <a:pt x="768008" y="1553797"/>
+                  </a:lnTo>
+                  <a:lnTo>
+                    <a:pt x="1164813" y="613546"/>
                   </a:lnTo>
                   <a:lnTo>
                     <a:pt x="1548817" y="0"/>
                   </a:lnTo>
                   <a:lnTo>
-                    <a:pt x="1945622" y="402450"/>
+                    <a:pt x="1945622" y="373619"/>
                   </a:lnTo>
                 </a:path>
               </a:pathLst>
@@ -30451,7 +30616,7 @@
         </p:sp>
         <p:sp>
           <p:nvSpPr>
-            <p:cNvPr id="45" name="pl40"/>
+            <p:cNvPr id="48" name="pl43"/>
             <p:cNvSpPr/>
             <p:nvPr/>
           </p:nvSpPr>
@@ -30491,13 +30656,13 @@
         </p:sp>
         <p:sp>
           <p:nvSpPr>
-            <p:cNvPr id="46" name="tx41"/>
+            <p:cNvPr id="49" name="tx44"/>
             <p:cNvSpPr/>
             <p:nvPr/>
           </p:nvSpPr>
           <p:spPr>
             <a:xfrm>
-              <a:off x="6409542" y="5653281"/>
+              <a:off x="6409542" y="5647382"/>
               <a:ext cx="250805" cy="89177"/>
             </a:xfrm>
             <a:prstGeom prst="rect">
@@ -30537,13 +30702,13 @@
         </p:sp>
         <p:sp>
           <p:nvSpPr>
-            <p:cNvPr id="47" name="tx42"/>
+            <p:cNvPr id="50" name="tx45"/>
             <p:cNvSpPr/>
             <p:nvPr/>
           </p:nvSpPr>
           <p:spPr>
             <a:xfrm>
-              <a:off x="6409542" y="4461549"/>
+              <a:off x="6409542" y="4541024"/>
               <a:ext cx="250805" cy="89177"/>
             </a:xfrm>
             <a:prstGeom prst="rect">
@@ -30583,13 +30748,13 @@
         </p:sp>
         <p:sp>
           <p:nvSpPr>
-            <p:cNvPr id="48" name="tx43"/>
+            <p:cNvPr id="51" name="tx46"/>
             <p:cNvSpPr/>
             <p:nvPr/>
           </p:nvSpPr>
           <p:spPr>
             <a:xfrm>
-              <a:off x="6409542" y="3269877"/>
+              <a:off x="6409542" y="3434726"/>
               <a:ext cx="250805" cy="89118"/>
             </a:xfrm>
             <a:prstGeom prst="rect">
@@ -30629,13 +30794,13 @@
         </p:sp>
         <p:sp>
           <p:nvSpPr>
-            <p:cNvPr id="49" name="pl44"/>
+            <p:cNvPr id="52" name="pl47"/>
             <p:cNvSpPr/>
             <p:nvPr/>
           </p:nvSpPr>
           <p:spPr>
             <a:xfrm>
-              <a:off x="6690713" y="5698822"/>
+              <a:off x="6690713" y="5692923"/>
               <a:ext cx="37957" cy="0"/>
             </a:xfrm>
             <a:custGeom>
@@ -30669,13 +30834,13 @@
         </p:sp>
         <p:sp>
           <p:nvSpPr>
-            <p:cNvPr id="50" name="pl45"/>
+            <p:cNvPr id="53" name="pl48"/>
             <p:cNvSpPr/>
             <p:nvPr/>
           </p:nvSpPr>
           <p:spPr>
             <a:xfrm>
-              <a:off x="6690713" y="4507091"/>
+              <a:off x="6690713" y="4586565"/>
               <a:ext cx="37957" cy="0"/>
             </a:xfrm>
             <a:custGeom>
@@ -30687,126 +30852,6 @@
                   </a:moveTo>
                   <a:lnTo>
                     <a:pt x="37957" y="0"/>
-                  </a:lnTo>
-                </a:path>
-              </a:pathLst>
-            </a:custGeom>
-            <a:ln w="14782" cap="flat">
-              <a:solidFill>
-                <a:srgbClr val="333333">
-                  <a:alpha val="100000"/>
-                </a:srgbClr>
-              </a:solidFill>
-              <a:prstDash val="solid"/>
-              <a:round/>
-            </a:ln>
-          </p:spPr>
-          <p:txBody>
-            <a:bodyPr/>
-            <a:lstStyle/>
-            <a:p/>
-          </p:txBody>
-        </p:sp>
-        <p:sp>
-          <p:nvSpPr>
-            <p:cNvPr id="51" name="pl46"/>
-            <p:cNvSpPr/>
-            <p:nvPr/>
-          </p:nvSpPr>
-          <p:spPr>
-            <a:xfrm>
-              <a:off x="6690713" y="3315359"/>
-              <a:ext cx="37957" cy="0"/>
-            </a:xfrm>
-            <a:custGeom>
-              <a:avLst/>
-              <a:pathLst>
-                <a:path w="37957" h="0">
-                  <a:moveTo>
-                    <a:pt x="0" y="0"/>
-                  </a:moveTo>
-                  <a:lnTo>
-                    <a:pt x="37957" y="0"/>
-                  </a:lnTo>
-                </a:path>
-              </a:pathLst>
-            </a:custGeom>
-            <a:ln w="14782" cap="flat">
-              <a:solidFill>
-                <a:srgbClr val="333333">
-                  <a:alpha val="100000"/>
-                </a:srgbClr>
-              </a:solidFill>
-              <a:prstDash val="solid"/>
-              <a:round/>
-            </a:ln>
-          </p:spPr>
-          <p:txBody>
-            <a:bodyPr/>
-            <a:lstStyle/>
-            <a:p/>
-          </p:txBody>
-        </p:sp>
-        <p:sp>
-          <p:nvSpPr>
-            <p:cNvPr id="52" name="pl47"/>
-            <p:cNvSpPr/>
-            <p:nvPr/>
-          </p:nvSpPr>
-          <p:spPr>
-            <a:xfrm>
-              <a:off x="6728671" y="5768451"/>
-              <a:ext cx="4716853" cy="0"/>
-            </a:xfrm>
-            <a:custGeom>
-              <a:avLst/>
-              <a:pathLst>
-                <a:path w="4716853" h="0">
-                  <a:moveTo>
-                    <a:pt x="0" y="0"/>
-                  </a:moveTo>
-                  <a:lnTo>
-                    <a:pt x="4716853" y="0"/>
-                  </a:lnTo>
-                </a:path>
-              </a:pathLst>
-            </a:custGeom>
-            <a:ln w="14782" cap="flat">
-              <a:solidFill>
-                <a:srgbClr val="000000">
-                  <a:alpha val="100000"/>
-                </a:srgbClr>
-              </a:solidFill>
-              <a:prstDash val="solid"/>
-              <a:round/>
-            </a:ln>
-          </p:spPr>
-          <p:txBody>
-            <a:bodyPr/>
-            <a:lstStyle/>
-            <a:p/>
-          </p:txBody>
-        </p:sp>
-        <p:sp>
-          <p:nvSpPr>
-            <p:cNvPr id="53" name="pl48"/>
-            <p:cNvSpPr/>
-            <p:nvPr/>
-          </p:nvSpPr>
-          <p:spPr>
-            <a:xfrm>
-              <a:off x="7339878" y="5768451"/>
-              <a:ext cx="0" cy="37957"/>
-            </a:xfrm>
-            <a:custGeom>
-              <a:avLst/>
-              <a:pathLst>
-                <a:path w="0" h="37957">
-                  <a:moveTo>
-                    <a:pt x="0" y="37957"/>
-                  </a:moveTo>
-                  <a:lnTo>
-                    <a:pt x="0" y="0"/>
                   </a:lnTo>
                 </a:path>
               </a:pathLst>
@@ -30835,18 +30880,18 @@
           </p:nvSpPr>
           <p:spPr>
             <a:xfrm>
-              <a:off x="8107886" y="5768451"/>
-              <a:ext cx="0" cy="37957"/>
+              <a:off x="6690713" y="3480208"/>
+              <a:ext cx="37957" cy="0"/>
             </a:xfrm>
             <a:custGeom>
               <a:avLst/>
               <a:pathLst>
-                <a:path w="0" h="37957">
+                <a:path w="37957" h="0">
                   <a:moveTo>
-                    <a:pt x="0" y="37957"/>
+                    <a:pt x="0" y="0"/>
                   </a:moveTo>
                   <a:lnTo>
-                    <a:pt x="0" y="0"/>
+                    <a:pt x="37957" y="0"/>
                   </a:lnTo>
                 </a:path>
               </a:pathLst>
@@ -30875,25 +30920,25 @@
           </p:nvSpPr>
           <p:spPr>
             <a:xfrm>
-              <a:off x="8888695" y="5768451"/>
-              <a:ext cx="0" cy="37957"/>
+              <a:off x="6728671" y="5768451"/>
+              <a:ext cx="4716853" cy="0"/>
             </a:xfrm>
             <a:custGeom>
               <a:avLst/>
               <a:pathLst>
-                <a:path w="0" h="37957">
+                <a:path w="4716853" h="0">
                   <a:moveTo>
-                    <a:pt x="0" y="37957"/>
+                    <a:pt x="0" y="0"/>
                   </a:moveTo>
                   <a:lnTo>
-                    <a:pt x="0" y="0"/>
+                    <a:pt x="4716853" y="0"/>
                   </a:lnTo>
                 </a:path>
               </a:pathLst>
             </a:custGeom>
             <a:ln w="14782" cap="flat">
               <a:solidFill>
-                <a:srgbClr val="333333">
+                <a:srgbClr val="000000">
                   <a:alpha val="100000"/>
                 </a:srgbClr>
               </a:solidFill>
@@ -30915,7 +30960,7 @@
           </p:nvSpPr>
           <p:spPr>
             <a:xfrm>
-              <a:off x="9669504" y="5768451"/>
+              <a:off x="7339878" y="5768451"/>
               <a:ext cx="0" cy="37957"/>
             </a:xfrm>
             <a:custGeom>
@@ -30955,7 +31000,7 @@
           </p:nvSpPr>
           <p:spPr>
             <a:xfrm>
-              <a:off x="10450313" y="5768451"/>
+              <a:off x="8107886" y="5768451"/>
               <a:ext cx="0" cy="37957"/>
             </a:xfrm>
             <a:custGeom>
@@ -30995,7 +31040,7 @@
           </p:nvSpPr>
           <p:spPr>
             <a:xfrm>
-              <a:off x="11231122" y="5768451"/>
+              <a:off x="8888695" y="5768451"/>
               <a:ext cx="0" cy="37957"/>
             </a:xfrm>
             <a:custGeom>
@@ -31029,7 +31074,127 @@
         </p:sp>
         <p:sp>
           <p:nvSpPr>
-            <p:cNvPr id="59" name="tx54"/>
+            <p:cNvPr id="59" name="pl54"/>
+            <p:cNvSpPr/>
+            <p:nvPr/>
+          </p:nvSpPr>
+          <p:spPr>
+            <a:xfrm>
+              <a:off x="9669504" y="5768451"/>
+              <a:ext cx="0" cy="37957"/>
+            </a:xfrm>
+            <a:custGeom>
+              <a:avLst/>
+              <a:pathLst>
+                <a:path w="0" h="37957">
+                  <a:moveTo>
+                    <a:pt x="0" y="37957"/>
+                  </a:moveTo>
+                  <a:lnTo>
+                    <a:pt x="0" y="0"/>
+                  </a:lnTo>
+                </a:path>
+              </a:pathLst>
+            </a:custGeom>
+            <a:ln w="14782" cap="flat">
+              <a:solidFill>
+                <a:srgbClr val="333333">
+                  <a:alpha val="100000"/>
+                </a:srgbClr>
+              </a:solidFill>
+              <a:prstDash val="solid"/>
+              <a:round/>
+            </a:ln>
+          </p:spPr>
+          <p:txBody>
+            <a:bodyPr/>
+            <a:lstStyle/>
+            <a:p/>
+          </p:txBody>
+        </p:sp>
+        <p:sp>
+          <p:nvSpPr>
+            <p:cNvPr id="60" name="pl55"/>
+            <p:cNvSpPr/>
+            <p:nvPr/>
+          </p:nvSpPr>
+          <p:spPr>
+            <a:xfrm>
+              <a:off x="10450313" y="5768451"/>
+              <a:ext cx="0" cy="37957"/>
+            </a:xfrm>
+            <a:custGeom>
+              <a:avLst/>
+              <a:pathLst>
+                <a:path w="0" h="37957">
+                  <a:moveTo>
+                    <a:pt x="0" y="37957"/>
+                  </a:moveTo>
+                  <a:lnTo>
+                    <a:pt x="0" y="0"/>
+                  </a:lnTo>
+                </a:path>
+              </a:pathLst>
+            </a:custGeom>
+            <a:ln w="14782" cap="flat">
+              <a:solidFill>
+                <a:srgbClr val="333333">
+                  <a:alpha val="100000"/>
+                </a:srgbClr>
+              </a:solidFill>
+              <a:prstDash val="solid"/>
+              <a:round/>
+            </a:ln>
+          </p:spPr>
+          <p:txBody>
+            <a:bodyPr/>
+            <a:lstStyle/>
+            <a:p/>
+          </p:txBody>
+        </p:sp>
+        <p:sp>
+          <p:nvSpPr>
+            <p:cNvPr id="61" name="pl56"/>
+            <p:cNvSpPr/>
+            <p:nvPr/>
+          </p:nvSpPr>
+          <p:spPr>
+            <a:xfrm>
+              <a:off x="11231122" y="5768451"/>
+              <a:ext cx="0" cy="37957"/>
+            </a:xfrm>
+            <a:custGeom>
+              <a:avLst/>
+              <a:pathLst>
+                <a:path w="0" h="37957">
+                  <a:moveTo>
+                    <a:pt x="0" y="37957"/>
+                  </a:moveTo>
+                  <a:lnTo>
+                    <a:pt x="0" y="0"/>
+                  </a:lnTo>
+                </a:path>
+              </a:pathLst>
+            </a:custGeom>
+            <a:ln w="14782" cap="flat">
+              <a:solidFill>
+                <a:srgbClr val="333333">
+                  <a:alpha val="100000"/>
+                </a:srgbClr>
+              </a:solidFill>
+              <a:prstDash val="solid"/>
+              <a:round/>
+            </a:ln>
+          </p:spPr>
+          <p:txBody>
+            <a:bodyPr/>
+            <a:lstStyle/>
+            <a:p/>
+          </p:txBody>
+        </p:sp>
+        <p:sp>
+          <p:nvSpPr>
+            <p:cNvPr id="62" name="tx57"/>
             <p:cNvSpPr/>
             <p:nvPr/>
           </p:nvSpPr>
@@ -31075,7 +31240,7 @@
         </p:sp>
         <p:sp>
           <p:nvSpPr>
-            <p:cNvPr id="60" name="tx55"/>
+            <p:cNvPr id="63" name="tx58"/>
             <p:cNvSpPr/>
             <p:nvPr/>
           </p:nvSpPr>
@@ -31121,7 +31286,7 @@
         </p:sp>
         <p:sp>
           <p:nvSpPr>
-            <p:cNvPr id="61" name="tx56"/>
+            <p:cNvPr id="64" name="tx59"/>
             <p:cNvSpPr/>
             <p:nvPr/>
           </p:nvSpPr>
@@ -31167,7 +31332,7 @@
         </p:sp>
         <p:sp>
           <p:nvSpPr>
-            <p:cNvPr id="62" name="tx57"/>
+            <p:cNvPr id="65" name="tx60"/>
             <p:cNvSpPr/>
             <p:nvPr/>
           </p:nvSpPr>
@@ -31213,7 +31378,7 @@
         </p:sp>
         <p:sp>
           <p:nvSpPr>
-            <p:cNvPr id="63" name="tx58"/>
+            <p:cNvPr id="66" name="tx61"/>
             <p:cNvSpPr/>
             <p:nvPr/>
           </p:nvSpPr>
@@ -31259,7 +31424,7 @@
         </p:sp>
         <p:sp>
           <p:nvSpPr>
-            <p:cNvPr id="64" name="tx59"/>
+            <p:cNvPr id="67" name="tx62"/>
             <p:cNvSpPr/>
             <p:nvPr/>
           </p:nvSpPr>
@@ -31305,14 +31470,14 @@
         </p:sp>
         <p:sp>
           <p:nvSpPr>
-            <p:cNvPr id="65" name="tx60"/>
+            <p:cNvPr id="68" name="tx63"/>
             <p:cNvSpPr/>
             <p:nvPr/>
           </p:nvSpPr>
           <p:spPr>
             <a:xfrm>
-              <a:off x="9044756" y="6102950"/>
-              <a:ext cx="84683" cy="0"/>
+              <a:off x="8862665" y="5992073"/>
+              <a:ext cx="448865" cy="110876"/>
             </a:xfrm>
             <a:prstGeom prst="rect">
               <a:avLst/>
@@ -31344,14 +31509,14 @@
                   <a:latin typeface="Arial"/>
                   <a:cs typeface="Arial"/>
                 </a:rPr>
-                <a:t>  </a:t>
+                <a:t>Meses</a:t>
               </a:r>
             </a:p>
           </p:txBody>
         </p:sp>
         <p:sp>
           <p:nvSpPr>
-            <p:cNvPr id="66" name="tx61"/>
+            <p:cNvPr id="69" name="tx64"/>
             <p:cNvSpPr/>
             <p:nvPr/>
           </p:nvSpPr>
@@ -31397,7 +31562,7 @@
         </p:sp>
         <p:sp>
           <p:nvSpPr>
-            <p:cNvPr id="67" name="tx62"/>
+            <p:cNvPr id="70" name="tx65"/>
             <p:cNvSpPr/>
             <p:nvPr/>
           </p:nvSpPr>
@@ -31443,7 +31608,7 @@
         </p:sp>
         <p:sp>
           <p:nvSpPr>
-            <p:cNvPr id="68" name="rc63"/>
+            <p:cNvPr id="71" name="rc66"/>
             <p:cNvSpPr/>
             <p:nvPr/>
           </p:nvSpPr>
@@ -31469,7 +31634,7 @@
         </p:sp>
         <p:sp>
           <p:nvSpPr>
-            <p:cNvPr id="69" name="rc64"/>
+            <p:cNvPr id="72" name="rc67"/>
             <p:cNvSpPr/>
             <p:nvPr/>
           </p:nvSpPr>
@@ -31495,7 +31660,7 @@
         </p:sp>
         <p:sp>
           <p:nvSpPr>
-            <p:cNvPr id="70" name="pl65"/>
+            <p:cNvPr id="73" name="pl68"/>
             <p:cNvSpPr/>
             <p:nvPr/>
           </p:nvSpPr>
@@ -31535,7 +31700,7 @@
         </p:sp>
         <p:sp>
           <p:nvSpPr>
-            <p:cNvPr id="71" name="rc66"/>
+            <p:cNvPr id="74" name="rc69"/>
             <p:cNvSpPr/>
             <p:nvPr/>
           </p:nvSpPr>
@@ -31561,7 +31726,7 @@
         </p:sp>
         <p:sp>
           <p:nvSpPr>
-            <p:cNvPr id="72" name="pl67"/>
+            <p:cNvPr id="75" name="pl70"/>
             <p:cNvSpPr/>
             <p:nvPr/>
           </p:nvSpPr>
@@ -31601,7 +31766,7 @@
         </p:sp>
         <p:sp>
           <p:nvSpPr>
-            <p:cNvPr id="73" name="rc68"/>
+            <p:cNvPr id="76" name="rc71"/>
             <p:cNvSpPr/>
             <p:nvPr/>
           </p:nvSpPr>
@@ -31627,7 +31792,7 @@
         </p:sp>
         <p:sp>
           <p:nvSpPr>
-            <p:cNvPr id="74" name="pl69"/>
+            <p:cNvPr id="77" name="pl72"/>
             <p:cNvSpPr/>
             <p:nvPr/>
           </p:nvSpPr>
@@ -31667,7 +31832,7 @@
         </p:sp>
         <p:sp>
           <p:nvSpPr>
-            <p:cNvPr id="75" name="tx70"/>
+            <p:cNvPr id="78" name="tx73"/>
             <p:cNvSpPr/>
             <p:nvPr/>
           </p:nvSpPr>
@@ -31713,7 +31878,7 @@
         </p:sp>
         <p:sp>
           <p:nvSpPr>
-            <p:cNvPr id="76" name="tx71"/>
+            <p:cNvPr id="79" name="tx74"/>
             <p:cNvSpPr/>
             <p:nvPr/>
           </p:nvSpPr>
@@ -31759,7 +31924,7 @@
         </p:sp>
         <p:sp>
           <p:nvSpPr>
-            <p:cNvPr id="77" name="tx72"/>
+            <p:cNvPr id="80" name="tx75"/>
             <p:cNvSpPr/>
             <p:nvPr/>
           </p:nvSpPr>
@@ -31806,7 +31971,7 @@
       </p:grpSp>
       <p:sp>
         <p:nvSpPr>
-          <p:cNvPr id="78" name=""/>
+          <p:cNvPr id="81" name=""/>
           <p:cNvSpPr>
             <a:spLocks noGrp="1"/>
           </p:cNvSpPr>
@@ -31916,7 +32081,7 @@
       </p:sp>
       <p:sp>
         <p:nvSpPr>
-          <p:cNvPr id="79" name=""/>
+          <p:cNvPr id="82" name=""/>
           <p:cNvSpPr>
             <a:spLocks noGrp="1"/>
           </p:cNvSpPr>
@@ -32026,7 +32191,7 @@
       </p:sp>
       <p:sp>
         <p:nvSpPr>
-          <p:cNvPr id="80" name=""/>
+          <p:cNvPr id="83" name=""/>
           <p:cNvSpPr>
             <a:spLocks noGrp="1"/>
           </p:cNvSpPr>
@@ -32108,7 +32273,7 @@
       </p:sp>
       <p:sp>
         <p:nvSpPr>
-          <p:cNvPr id="81" name=""/>
+          <p:cNvPr id="84" name=""/>
           <p:cNvSpPr>
             <a:spLocks noGrp="1"/>
           </p:cNvSpPr>
@@ -32357,7 +32522,7 @@
           <p:nvPr/>
         </p:nvGraphicFramePr>
         <p:xfrm rot="0">
-          <a:off x="1234440" y="1188720"/>
+          <a:off x="457200" y="1097280"/>
           <a:ext cx="3657600" cy="2743200"/>
         </p:xfrm>
         <a:graphic>
@@ -32365,21 +32530,21 @@
             <a:tbl>
               <a:tblPr/>
               <a:tblGrid>
-                <a:gridCol w="1188000"/>
-                <a:gridCol w="828000"/>
-                <a:gridCol w="828000"/>
+                <a:gridCol w="1296000"/>
+                <a:gridCol w="936000"/>
+                <a:gridCol w="936000"/>
                 <a:gridCol w="72000"/>
-                <a:gridCol w="828000"/>
-                <a:gridCol w="828000"/>
+                <a:gridCol w="936000"/>
+                <a:gridCol w="936000"/>
                 <a:gridCol w="72000"/>
-                <a:gridCol w="828000"/>
-                <a:gridCol w="828000"/>
+                <a:gridCol w="936000"/>
+                <a:gridCol w="936000"/>
                 <a:gridCol w="72000"/>
-                <a:gridCol w="828000"/>
-                <a:gridCol w="828000"/>
+                <a:gridCol w="936000"/>
+                <a:gridCol w="936000"/>
                 <a:gridCol w="72000"/>
-                <a:gridCol w="828000"/>
-                <a:gridCol w="828000"/>
+                <a:gridCol w="936000"/>
+                <a:gridCol w="936000"/>
               </a:tblGrid>
               <a:tr h="228600">
                 <a:tc rowSpan="2">
@@ -32400,9 +32565,9 @@
                         <a:buNone/>
                       </a:pPr>
                       <a:r>
-                        <a:rPr cap="none" sz="1100" i="0" b="1" u="none">
+                        <a:rPr cap="none" sz="1100" i="0" b="0" u="none">
                           <a:solidFill>
-                            <a:srgbClr val="333333">
+                            <a:srgbClr val="FFFFFF">
                               <a:alpha val="100000"/>
                             </a:srgbClr>
                           </a:solidFill>
@@ -32433,7 +32598,7 @@
                       <a:prstDash val="solid"/>
                     </a:lnB>
                     <a:solidFill>
-                      <a:srgbClr val="B3B3B3">
+                      <a:srgbClr val="004782">
                         <a:alpha val="100000"/>
                       </a:srgbClr>
                     </a:solidFill>
@@ -32457,9 +32622,9 @@
                         <a:buNone/>
                       </a:pPr>
                       <a:r>
-                        <a:rPr cap="none" sz="1100" i="0" b="1" u="none">
+                        <a:rPr cap="none" sz="1100" i="0" b="0" u="none">
                           <a:solidFill>
-                            <a:srgbClr val="333333">
+                            <a:srgbClr val="FFFFFF">
                               <a:alpha val="100000"/>
                             </a:srgbClr>
                           </a:solidFill>
@@ -32494,7 +32659,7 @@
                       <a:prstDash val="solid"/>
                     </a:lnB>
                     <a:solidFill>
-                      <a:srgbClr val="B3B3B3">
+                      <a:srgbClr val="004782">
                         <a:alpha val="100000"/>
                       </a:srgbClr>
                     </a:solidFill>
@@ -32518,9 +32683,9 @@
                         <a:buNone/>
                       </a:pPr>
                       <a:r>
-                        <a:rPr cap="none" sz="1100" i="0" b="1" u="none">
+                        <a:rPr cap="none" sz="1100" i="0" b="0" u="none">
                           <a:solidFill>
-                            <a:srgbClr val="333333">
+                            <a:srgbClr val="FFFFFF">
                               <a:alpha val="100000"/>
                             </a:srgbClr>
                           </a:solidFill>
@@ -32555,7 +32720,7 @@
                       <a:prstDash val="solid"/>
                     </a:lnB>
                     <a:solidFill>
-                      <a:srgbClr val="B3B3B3">
+                      <a:srgbClr val="004782">
                         <a:alpha val="100000"/>
                       </a:srgbClr>
                     </a:solidFill>
@@ -32579,9 +32744,9 @@
                         <a:buNone/>
                       </a:pPr>
                       <a:r>
-                        <a:rPr cap="none" sz="1100" i="0" b="1" u="none">
+                        <a:rPr cap="none" sz="1100" i="0" b="0" u="none">
                           <a:solidFill>
-                            <a:srgbClr val="333333">
+                            <a:srgbClr val="FFFFFF">
                               <a:alpha val="100000"/>
                             </a:srgbClr>
                           </a:solidFill>
@@ -32612,7 +32777,7 @@
                       <a:prstDash val="solid"/>
                     </a:lnB>
                     <a:solidFill>
-                      <a:srgbClr val="B3B3B3">
+                      <a:srgbClr val="004782">
                         <a:alpha val="100000"/>
                       </a:srgbClr>
                     </a:solidFill>
@@ -32636,9 +32801,9 @@
                         <a:buNone/>
                       </a:pPr>
                       <a:r>
-                        <a:rPr cap="none" sz="1100" i="0" b="1" u="none">
+                        <a:rPr cap="none" sz="1100" i="0" b="0" u="none">
                           <a:solidFill>
-                            <a:srgbClr val="333333">
+                            <a:srgbClr val="FFFFFF">
                               <a:alpha val="100000"/>
                             </a:srgbClr>
                           </a:solidFill>
@@ -32673,7 +32838,7 @@
                       <a:prstDash val="solid"/>
                     </a:lnB>
                     <a:solidFill>
-                      <a:srgbClr val="B3B3B3">
+                      <a:srgbClr val="004782">
                         <a:alpha val="100000"/>
                       </a:srgbClr>
                     </a:solidFill>
@@ -32697,9 +32862,9 @@
                         <a:buNone/>
                       </a:pPr>
                       <a:r>
-                        <a:rPr cap="none" sz="1100" i="0" b="1" u="none">
+                        <a:rPr cap="none" sz="1100" i="0" b="0" u="none">
                           <a:solidFill>
-                            <a:srgbClr val="333333">
+                            <a:srgbClr val="FFFFFF">
                               <a:alpha val="100000"/>
                             </a:srgbClr>
                           </a:solidFill>
@@ -32734,7 +32899,7 @@
                       <a:prstDash val="solid"/>
                     </a:lnB>
                     <a:solidFill>
-                      <a:srgbClr val="B3B3B3">
+                      <a:srgbClr val="004782">
                         <a:alpha val="100000"/>
                       </a:srgbClr>
                     </a:solidFill>
@@ -32758,9 +32923,9 @@
                         <a:buNone/>
                       </a:pPr>
                       <a:r>
-                        <a:rPr cap="none" sz="1100" i="0" b="1" u="none">
+                        <a:rPr cap="none" sz="1100" i="0" b="0" u="none">
                           <a:solidFill>
-                            <a:srgbClr val="333333">
+                            <a:srgbClr val="FFFFFF">
                               <a:alpha val="100000"/>
                             </a:srgbClr>
                           </a:solidFill>
@@ -32791,7 +32956,7 @@
                       <a:prstDash val="solid"/>
                     </a:lnB>
                     <a:solidFill>
-                      <a:srgbClr val="B3B3B3">
+                      <a:srgbClr val="004782">
                         <a:alpha val="100000"/>
                       </a:srgbClr>
                     </a:solidFill>
@@ -32815,9 +32980,9 @@
                         <a:buNone/>
                       </a:pPr>
                       <a:r>
-                        <a:rPr cap="none" sz="1100" i="0" b="1" u="none">
+                        <a:rPr cap="none" sz="1100" i="0" b="0" u="none">
                           <a:solidFill>
-                            <a:srgbClr val="333333">
+                            <a:srgbClr val="FFFFFF">
                               <a:alpha val="100000"/>
                             </a:srgbClr>
                           </a:solidFill>
@@ -32852,7 +33017,7 @@
                       <a:prstDash val="solid"/>
                     </a:lnB>
                     <a:solidFill>
-                      <a:srgbClr val="B3B3B3">
+                      <a:srgbClr val="004782">
                         <a:alpha val="100000"/>
                       </a:srgbClr>
                     </a:solidFill>
@@ -32876,9 +33041,9 @@
                         <a:buNone/>
                       </a:pPr>
                       <a:r>
-                        <a:rPr cap="none" sz="1100" i="0" b="1" u="none">
+                        <a:rPr cap="none" sz="1100" i="0" b="0" u="none">
                           <a:solidFill>
-                            <a:srgbClr val="333333">
+                            <a:srgbClr val="FFFFFF">
                               <a:alpha val="100000"/>
                             </a:srgbClr>
                           </a:solidFill>
@@ -32913,7 +33078,7 @@
                       <a:prstDash val="solid"/>
                     </a:lnB>
                     <a:solidFill>
-                      <a:srgbClr val="B3B3B3">
+                      <a:srgbClr val="004782">
                         <a:alpha val="100000"/>
                       </a:srgbClr>
                     </a:solidFill>
@@ -32937,9 +33102,9 @@
                         <a:buNone/>
                       </a:pPr>
                       <a:r>
-                        <a:rPr cap="none" sz="1100" i="0" b="1" u="none">
+                        <a:rPr cap="none" sz="1100" i="0" b="0" u="none">
                           <a:solidFill>
-                            <a:srgbClr val="333333">
+                            <a:srgbClr val="FFFFFF">
                               <a:alpha val="100000"/>
                             </a:srgbClr>
                           </a:solidFill>
@@ -32970,7 +33135,7 @@
                       <a:prstDash val="solid"/>
                     </a:lnB>
                     <a:solidFill>
-                      <a:srgbClr val="B3B3B3">
+                      <a:srgbClr val="004782">
                         <a:alpha val="100000"/>
                       </a:srgbClr>
                     </a:solidFill>
@@ -32994,9 +33159,9 @@
                         <a:buNone/>
                       </a:pPr>
                       <a:r>
-                        <a:rPr cap="none" sz="1100" i="0" b="1" u="none">
+                        <a:rPr cap="none" sz="1100" i="0" b="0" u="none">
                           <a:solidFill>
-                            <a:srgbClr val="333333">
+                            <a:srgbClr val="FFFFFF">
                               <a:alpha val="100000"/>
                             </a:srgbClr>
                           </a:solidFill>
@@ -33031,7 +33196,7 @@
                       <a:prstDash val="solid"/>
                     </a:lnB>
                     <a:solidFill>
-                      <a:srgbClr val="B3B3B3">
+                      <a:srgbClr val="004782">
                         <a:alpha val="100000"/>
                       </a:srgbClr>
                     </a:solidFill>
@@ -33055,9 +33220,9 @@
                         <a:buNone/>
                       </a:pPr>
                       <a:r>
-                        <a:rPr cap="none" sz="1100" i="0" b="1" u="none">
+                        <a:rPr cap="none" sz="1100" i="0" b="0" u="none">
                           <a:solidFill>
-                            <a:srgbClr val="333333">
+                            <a:srgbClr val="FFFFFF">
                               <a:alpha val="100000"/>
                             </a:srgbClr>
                           </a:solidFill>
@@ -33092,7 +33257,7 @@
                       <a:prstDash val="solid"/>
                     </a:lnB>
                     <a:solidFill>
-                      <a:srgbClr val="B3B3B3">
+                      <a:srgbClr val="004782">
                         <a:alpha val="100000"/>
                       </a:srgbClr>
                     </a:solidFill>
@@ -33116,9 +33281,9 @@
                         <a:buNone/>
                       </a:pPr>
                       <a:r>
-                        <a:rPr cap="none" sz="1100" i="0" b="1" u="none">
+                        <a:rPr cap="none" sz="1100" i="0" b="0" u="none">
                           <a:solidFill>
-                            <a:srgbClr val="333333">
+                            <a:srgbClr val="FFFFFF">
                               <a:alpha val="100000"/>
                             </a:srgbClr>
                           </a:solidFill>
@@ -33149,7 +33314,7 @@
                       <a:prstDash val="solid"/>
                     </a:lnB>
                     <a:solidFill>
-                      <a:srgbClr val="B3B3B3">
+                      <a:srgbClr val="004782">
                         <a:alpha val="100000"/>
                       </a:srgbClr>
                     </a:solidFill>
@@ -33173,9 +33338,9 @@
                         <a:buNone/>
                       </a:pPr>
                       <a:r>
-                        <a:rPr cap="none" sz="1100" i="0" b="1" u="none">
+                        <a:rPr cap="none" sz="1100" i="0" b="0" u="none">
                           <a:solidFill>
-                            <a:srgbClr val="333333">
+                            <a:srgbClr val="FFFFFF">
                               <a:alpha val="100000"/>
                             </a:srgbClr>
                           </a:solidFill>
@@ -33210,7 +33375,7 @@
                       <a:prstDash val="solid"/>
                     </a:lnB>
                     <a:solidFill>
-                      <a:srgbClr val="B3B3B3">
+                      <a:srgbClr val="004782">
                         <a:alpha val="100000"/>
                       </a:srgbClr>
                     </a:solidFill>
@@ -33234,9 +33399,9 @@
                         <a:buNone/>
                       </a:pPr>
                       <a:r>
-                        <a:rPr cap="none" sz="1100" i="0" b="1" u="none">
+                        <a:rPr cap="none" sz="1100" i="0" b="0" u="none">
                           <a:solidFill>
-                            <a:srgbClr val="333333">
+                            <a:srgbClr val="FFFFFF">
                               <a:alpha val="100000"/>
                             </a:srgbClr>
                           </a:solidFill>
@@ -33271,7 +33436,7 @@
                       <a:prstDash val="solid"/>
                     </a:lnB>
                     <a:solidFill>
-                      <a:srgbClr val="B3B3B3">
+                      <a:srgbClr val="004782">
                         <a:alpha val="100000"/>
                       </a:srgbClr>
                     </a:solidFill>
@@ -33284,7 +33449,7 @@
                     <a:bodyPr/>
                     <a:lstStyle/>
                     <a:p>
-                      <a:pPr algn="l" marL="50800" marR="50800">
+                      <a:pPr algn="ctr" marL="50800" marR="50800">
                         <a:lnSpc>
                           <a:spcPct val="100000"/>
                         </a:lnSpc>
@@ -33297,9 +33462,9 @@
                         <a:buNone/>
                       </a:pPr>
                       <a:r>
-                        <a:rPr cap="none" sz="1100" i="0" b="1" u="none">
+                        <a:rPr cap="none" sz="1100" i="0" b="0" u="none">
                           <a:solidFill>
-                            <a:srgbClr val="333333">
+                            <a:srgbClr val="FFFFFF">
                               <a:alpha val="100000"/>
                             </a:srgbClr>
                           </a:solidFill>
@@ -33330,7 +33495,7 @@
                       <a:prstDash val="solid"/>
                     </a:lnB>
                     <a:solidFill>
-                      <a:srgbClr val="B3B3B3">
+                      <a:srgbClr val="004782">
                         <a:alpha val="100000"/>
                       </a:srgbClr>
                     </a:solidFill>
@@ -33341,7 +33506,7 @@
                     <a:bodyPr/>
                     <a:lstStyle/>
                     <a:p>
-                      <a:pPr algn="r" marL="50800" marR="50800">
+                      <a:pPr algn="ctr" marL="50800" marR="50800">
                         <a:lnSpc>
                           <a:spcPct val="100000"/>
                         </a:lnSpc>
@@ -33354,9 +33519,9 @@
                         <a:buNone/>
                       </a:pPr>
                       <a:r>
-                        <a:rPr cap="none" sz="1100" i="0" b="1" u="none">
+                        <a:rPr cap="none" sz="1100" i="0" b="0" u="none">
                           <a:solidFill>
-                            <a:srgbClr val="333333">
+                            <a:srgbClr val="FFFFFF">
                               <a:alpha val="100000"/>
                             </a:srgbClr>
                           </a:solidFill>
@@ -33391,7 +33556,7 @@
                       <a:prstDash val="solid"/>
                     </a:lnB>
                     <a:solidFill>
-                      <a:srgbClr val="B3B3B3">
+                      <a:srgbClr val="004782">
                         <a:alpha val="100000"/>
                       </a:srgbClr>
                     </a:solidFill>
@@ -33402,7 +33567,7 @@
                     <a:bodyPr/>
                     <a:lstStyle/>
                     <a:p>
-                      <a:pPr algn="r" marL="50800" marR="50800">
+                      <a:pPr algn="ctr" marL="50800" marR="50800">
                         <a:lnSpc>
                           <a:spcPct val="100000"/>
                         </a:lnSpc>
@@ -33415,9 +33580,9 @@
                         <a:buNone/>
                       </a:pPr>
                       <a:r>
-                        <a:rPr cap="none" sz="1100" i="0" b="1" u="none">
+                        <a:rPr cap="none" sz="1100" i="0" b="0" u="none">
                           <a:solidFill>
-                            <a:srgbClr val="333333">
+                            <a:srgbClr val="FFFFFF">
                               <a:alpha val="100000"/>
                             </a:srgbClr>
                           </a:solidFill>
@@ -33452,7 +33617,7 @@
                       <a:prstDash val="solid"/>
                     </a:lnB>
                     <a:solidFill>
-                      <a:srgbClr val="B3B3B3">
+                      <a:srgbClr val="004782">
                         <a:alpha val="100000"/>
                       </a:srgbClr>
                     </a:solidFill>
@@ -33463,7 +33628,7 @@
                     <a:bodyPr/>
                     <a:lstStyle/>
                     <a:p>
-                      <a:pPr algn="r" marL="50800" marR="50800">
+                      <a:pPr algn="ctr" marL="50800" marR="50800">
                         <a:lnSpc>
                           <a:spcPct val="100000"/>
                         </a:lnSpc>
@@ -33476,9 +33641,9 @@
                         <a:buNone/>
                       </a:pPr>
                       <a:r>
-                        <a:rPr cap="none" sz="1100" i="0" b="1" u="none">
+                        <a:rPr cap="none" sz="1100" i="0" b="0" u="none">
                           <a:solidFill>
-                            <a:srgbClr val="333333">
+                            <a:srgbClr val="FFFFFF">
                               <a:alpha val="100000"/>
                             </a:srgbClr>
                           </a:solidFill>
@@ -33509,7 +33674,7 @@
                       <a:prstDash val="solid"/>
                     </a:lnB>
                     <a:solidFill>
-                      <a:srgbClr val="B3B3B3">
+                      <a:srgbClr val="004782">
                         <a:alpha val="100000"/>
                       </a:srgbClr>
                     </a:solidFill>
@@ -33520,7 +33685,7 @@
                     <a:bodyPr/>
                     <a:lstStyle/>
                     <a:p>
-                      <a:pPr algn="r" marL="50800" marR="50800">
+                      <a:pPr algn="ctr" marL="50800" marR="50800">
                         <a:lnSpc>
                           <a:spcPct val="100000"/>
                         </a:lnSpc>
@@ -33533,9 +33698,9 @@
                         <a:buNone/>
                       </a:pPr>
                       <a:r>
-                        <a:rPr cap="none" sz="1100" i="0" b="1" u="none">
+                        <a:rPr cap="none" sz="1100" i="0" b="0" u="none">
                           <a:solidFill>
-                            <a:srgbClr val="333333">
+                            <a:srgbClr val="FFFFFF">
                               <a:alpha val="100000"/>
                             </a:srgbClr>
                           </a:solidFill>
@@ -33570,7 +33735,7 @@
                       <a:prstDash val="solid"/>
                     </a:lnB>
                     <a:solidFill>
-                      <a:srgbClr val="B3B3B3">
+                      <a:srgbClr val="004782">
                         <a:alpha val="100000"/>
                       </a:srgbClr>
                     </a:solidFill>
@@ -33581,7 +33746,7 @@
                     <a:bodyPr/>
                     <a:lstStyle/>
                     <a:p>
-                      <a:pPr algn="r" marL="50800" marR="50800">
+                      <a:pPr algn="ctr" marL="50800" marR="50800">
                         <a:lnSpc>
                           <a:spcPct val="100000"/>
                         </a:lnSpc>
@@ -33594,9 +33759,9 @@
                         <a:buNone/>
                       </a:pPr>
                       <a:r>
-                        <a:rPr cap="none" sz="1100" i="0" b="1" u="none">
+                        <a:rPr cap="none" sz="1100" i="0" b="0" u="none">
                           <a:solidFill>
-                            <a:srgbClr val="333333">
+                            <a:srgbClr val="FFFFFF">
                               <a:alpha val="100000"/>
                             </a:srgbClr>
                           </a:solidFill>
@@ -33631,7 +33796,7 @@
                       <a:prstDash val="solid"/>
                     </a:lnB>
                     <a:solidFill>
-                      <a:srgbClr val="B3B3B3">
+                      <a:srgbClr val="004782">
                         <a:alpha val="100000"/>
                       </a:srgbClr>
                     </a:solidFill>
@@ -33642,7 +33807,7 @@
                     <a:bodyPr/>
                     <a:lstStyle/>
                     <a:p>
-                      <a:pPr algn="r" marL="50800" marR="50800">
+                      <a:pPr algn="ctr" marL="50800" marR="50800">
                         <a:lnSpc>
                           <a:spcPct val="100000"/>
                         </a:lnSpc>
@@ -33655,9 +33820,9 @@
                         <a:buNone/>
                       </a:pPr>
                       <a:r>
-                        <a:rPr cap="none" sz="1100" i="0" b="1" u="none">
+                        <a:rPr cap="none" sz="1100" i="0" b="0" u="none">
                           <a:solidFill>
-                            <a:srgbClr val="333333">
+                            <a:srgbClr val="FFFFFF">
                               <a:alpha val="100000"/>
                             </a:srgbClr>
                           </a:solidFill>
@@ -33688,7 +33853,7 @@
                       <a:prstDash val="solid"/>
                     </a:lnB>
                     <a:solidFill>
-                      <a:srgbClr val="B3B3B3">
+                      <a:srgbClr val="004782">
                         <a:alpha val="100000"/>
                       </a:srgbClr>
                     </a:solidFill>
@@ -33699,7 +33864,7 @@
                     <a:bodyPr/>
                     <a:lstStyle/>
                     <a:p>
-                      <a:pPr algn="r" marL="50800" marR="50800">
+                      <a:pPr algn="ctr" marL="50800" marR="50800">
                         <a:lnSpc>
                           <a:spcPct val="100000"/>
                         </a:lnSpc>
@@ -33712,9 +33877,9 @@
                         <a:buNone/>
                       </a:pPr>
                       <a:r>
-                        <a:rPr cap="none" sz="1100" i="0" b="1" u="none">
+                        <a:rPr cap="none" sz="1100" i="0" b="0" u="none">
                           <a:solidFill>
-                            <a:srgbClr val="333333">
+                            <a:srgbClr val="FFFFFF">
                               <a:alpha val="100000"/>
                             </a:srgbClr>
                           </a:solidFill>
@@ -33749,7 +33914,7 @@
                       <a:prstDash val="solid"/>
                     </a:lnB>
                     <a:solidFill>
-                      <a:srgbClr val="B3B3B3">
+                      <a:srgbClr val="004782">
                         <a:alpha val="100000"/>
                       </a:srgbClr>
                     </a:solidFill>
@@ -33760,7 +33925,7 @@
                     <a:bodyPr/>
                     <a:lstStyle/>
                     <a:p>
-                      <a:pPr algn="r" marL="50800" marR="50800">
+                      <a:pPr algn="ctr" marL="50800" marR="50800">
                         <a:lnSpc>
                           <a:spcPct val="100000"/>
                         </a:lnSpc>
@@ -33773,9 +33938,9 @@
                         <a:buNone/>
                       </a:pPr>
                       <a:r>
-                        <a:rPr cap="none" sz="1100" i="0" b="1" u="none">
+                        <a:rPr cap="none" sz="1100" i="0" b="0" u="none">
                           <a:solidFill>
-                            <a:srgbClr val="333333">
+                            <a:srgbClr val="FFFFFF">
                               <a:alpha val="100000"/>
                             </a:srgbClr>
                           </a:solidFill>
@@ -33810,7 +33975,7 @@
                       <a:prstDash val="solid"/>
                     </a:lnB>
                     <a:solidFill>
-                      <a:srgbClr val="B3B3B3">
+                      <a:srgbClr val="004782">
                         <a:alpha val="100000"/>
                       </a:srgbClr>
                     </a:solidFill>
@@ -33821,7 +33986,7 @@
                     <a:bodyPr/>
                     <a:lstStyle/>
                     <a:p>
-                      <a:pPr algn="r" marL="50800" marR="50800">
+                      <a:pPr algn="ctr" marL="50800" marR="50800">
                         <a:lnSpc>
                           <a:spcPct val="100000"/>
                         </a:lnSpc>
@@ -33834,9 +33999,9 @@
                         <a:buNone/>
                       </a:pPr>
                       <a:r>
-                        <a:rPr cap="none" sz="1100" i="0" b="1" u="none">
+                        <a:rPr cap="none" sz="1100" i="0" b="0" u="none">
                           <a:solidFill>
-                            <a:srgbClr val="333333">
+                            <a:srgbClr val="FFFFFF">
                               <a:alpha val="100000"/>
                             </a:srgbClr>
                           </a:solidFill>
@@ -33867,7 +34032,7 @@
                       <a:prstDash val="solid"/>
                     </a:lnB>
                     <a:solidFill>
-                      <a:srgbClr val="B3B3B3">
+                      <a:srgbClr val="004782">
                         <a:alpha val="100000"/>
                       </a:srgbClr>
                     </a:solidFill>
@@ -33878,7 +34043,7 @@
                     <a:bodyPr/>
                     <a:lstStyle/>
                     <a:p>
-                      <a:pPr algn="r" marL="50800" marR="50800">
+                      <a:pPr algn="ctr" marL="50800" marR="50800">
                         <a:lnSpc>
                           <a:spcPct val="100000"/>
                         </a:lnSpc>
@@ -33891,9 +34056,9 @@
                         <a:buNone/>
                       </a:pPr>
                       <a:r>
-                        <a:rPr cap="none" sz="1100" i="0" b="1" u="none">
+                        <a:rPr cap="none" sz="1100" i="0" b="0" u="none">
                           <a:solidFill>
-                            <a:srgbClr val="333333">
+                            <a:srgbClr val="FFFFFF">
                               <a:alpha val="100000"/>
                             </a:srgbClr>
                           </a:solidFill>
@@ -33928,7 +34093,7 @@
                       <a:prstDash val="solid"/>
                     </a:lnB>
                     <a:solidFill>
-                      <a:srgbClr val="B3B3B3">
+                      <a:srgbClr val="004782">
                         <a:alpha val="100000"/>
                       </a:srgbClr>
                     </a:solidFill>
@@ -33939,7 +34104,7 @@
                     <a:bodyPr/>
                     <a:lstStyle/>
                     <a:p>
-                      <a:pPr algn="r" marL="50800" marR="50800">
+                      <a:pPr algn="ctr" marL="50800" marR="50800">
                         <a:lnSpc>
                           <a:spcPct val="100000"/>
                         </a:lnSpc>
@@ -33952,9 +34117,9 @@
                         <a:buNone/>
                       </a:pPr>
                       <a:r>
-                        <a:rPr cap="none" sz="1100" i="0" b="1" u="none">
+                        <a:rPr cap="none" sz="1100" i="0" b="0" u="none">
                           <a:solidFill>
-                            <a:srgbClr val="333333">
+                            <a:srgbClr val="FFFFFF">
                               <a:alpha val="100000"/>
                             </a:srgbClr>
                           </a:solidFill>
@@ -33989,7 +34154,7 @@
                       <a:prstDash val="solid"/>
                     </a:lnB>
                     <a:solidFill>
-                      <a:srgbClr val="B3B3B3">
+                      <a:srgbClr val="004782">
                         <a:alpha val="100000"/>
                       </a:srgbClr>
                     </a:solidFill>
@@ -34000,7 +34165,7 @@
                     <a:bodyPr/>
                     <a:lstStyle/>
                     <a:p>
-                      <a:pPr algn="r" marL="50800" marR="50800">
+                      <a:pPr algn="ctr" marL="50800" marR="50800">
                         <a:lnSpc>
                           <a:spcPct val="100000"/>
                         </a:lnSpc>
@@ -34013,9 +34178,9 @@
                         <a:buNone/>
                       </a:pPr>
                       <a:r>
-                        <a:rPr cap="none" sz="1100" i="0" b="1" u="none">
+                        <a:rPr cap="none" sz="1100" i="0" b="0" u="none">
                           <a:solidFill>
-                            <a:srgbClr val="333333">
+                            <a:srgbClr val="FFFFFF">
                               <a:alpha val="100000"/>
                             </a:srgbClr>
                           </a:solidFill>
@@ -34046,7 +34211,7 @@
                       <a:prstDash val="solid"/>
                     </a:lnB>
                     <a:solidFill>
-                      <a:srgbClr val="B3B3B3">
+                      <a:srgbClr val="004782">
                         <a:alpha val="100000"/>
                       </a:srgbClr>
                     </a:solidFill>
@@ -34057,7 +34222,7 @@
                     <a:bodyPr/>
                     <a:lstStyle/>
                     <a:p>
-                      <a:pPr algn="r" marL="50800" marR="50800">
+                      <a:pPr algn="ctr" marL="50800" marR="50800">
                         <a:lnSpc>
                           <a:spcPct val="100000"/>
                         </a:lnSpc>
@@ -34070,9 +34235,9 @@
                         <a:buNone/>
                       </a:pPr>
                       <a:r>
-                        <a:rPr cap="none" sz="1100" i="0" b="1" u="none">
+                        <a:rPr cap="none" sz="1100" i="0" b="0" u="none">
                           <a:solidFill>
-                            <a:srgbClr val="333333">
+                            <a:srgbClr val="FFFFFF">
                               <a:alpha val="100000"/>
                             </a:srgbClr>
                           </a:solidFill>
@@ -34107,7 +34272,7 @@
                       <a:prstDash val="solid"/>
                     </a:lnB>
                     <a:solidFill>
-                      <a:srgbClr val="B3B3B3">
+                      <a:srgbClr val="004782">
                         <a:alpha val="100000"/>
                       </a:srgbClr>
                     </a:solidFill>
@@ -34118,7 +34283,7 @@
                     <a:bodyPr/>
                     <a:lstStyle/>
                     <a:p>
-                      <a:pPr algn="r" marL="50800" marR="50800">
+                      <a:pPr algn="ctr" marL="50800" marR="50800">
                         <a:lnSpc>
                           <a:spcPct val="100000"/>
                         </a:lnSpc>
@@ -34131,9 +34296,9 @@
                         <a:buNone/>
                       </a:pPr>
                       <a:r>
-                        <a:rPr cap="none" sz="1100" i="0" b="1" u="none">
+                        <a:rPr cap="none" sz="1100" i="0" b="0" u="none">
                           <a:solidFill>
-                            <a:srgbClr val="333333">
+                            <a:srgbClr val="FFFFFF">
                               <a:alpha val="100000"/>
                             </a:srgbClr>
                           </a:solidFill>
@@ -34168,7 +34333,7 @@
                       <a:prstDash val="solid"/>
                     </a:lnB>
                     <a:solidFill>
-                      <a:srgbClr val="B3B3B3">
+                      <a:srgbClr val="004782">
                         <a:alpha val="100000"/>
                       </a:srgbClr>
                     </a:solidFill>
@@ -34775,7 +34940,7 @@
                           <a:ea typeface="Arial"/>
                           <a:sym typeface="Arial"/>
                         </a:rPr>
-                        <a:t>14,61</a:t>
+                        <a:t>14,61 %</a:t>
                       </a:r>
                     </a:p>
                   </a:txBody>
@@ -34832,7 +34997,7 @@
                           <a:ea typeface="Arial"/>
                           <a:sym typeface="Arial"/>
                         </a:rPr>
-                        <a:t>14,61</a:t>
+                        <a:t>14,61 %</a:t>
                       </a:r>
                     </a:p>
                   </a:txBody>
@@ -34946,7 +35111,7 @@
                           <a:ea typeface="Arial"/>
                           <a:sym typeface="Arial"/>
                         </a:rPr>
-                        <a:t>0</a:t>
+                        <a:t>0,00</a:t>
                       </a:r>
                     </a:p>
                   </a:txBody>
@@ -35003,7 +35168,7 @@
                           <a:ea typeface="Arial"/>
                           <a:sym typeface="Arial"/>
                         </a:rPr>
-                        <a:t>0</a:t>
+                        <a:t>0,00</a:t>
                       </a:r>
                     </a:p>
                   </a:txBody>
@@ -35084,7 +35249,7 @@
                       <a:prstDash val="solid"/>
                     </a:lnB>
                     <a:solidFill>
-                      <a:srgbClr val="E3E7E7">
+                      <a:srgbClr val="E5ECF2">
                         <a:alpha val="100000"/>
                       </a:srgbClr>
                     </a:solidFill>
@@ -35141,7 +35306,7 @@
                       <a:prstDash val="solid"/>
                     </a:lnB>
                     <a:solidFill>
-                      <a:srgbClr val="E3E7E7">
+                      <a:srgbClr val="E5ECF2">
                         <a:alpha val="100000"/>
                       </a:srgbClr>
                     </a:solidFill>
@@ -35198,7 +35363,7 @@
                       <a:prstDash val="solid"/>
                     </a:lnB>
                     <a:solidFill>
-                      <a:srgbClr val="E3E7E7">
+                      <a:srgbClr val="E5ECF2">
                         <a:alpha val="100000"/>
                       </a:srgbClr>
                     </a:solidFill>
@@ -35255,7 +35420,7 @@
                       <a:prstDash val="solid"/>
                     </a:lnB>
                     <a:solidFill>
-                      <a:srgbClr val="E3E7E7">
+                      <a:srgbClr val="E5ECF2">
                         <a:alpha val="100000"/>
                       </a:srgbClr>
                     </a:solidFill>
@@ -35312,7 +35477,7 @@
                       <a:prstDash val="solid"/>
                     </a:lnB>
                     <a:solidFill>
-                      <a:srgbClr val="E3E7E7">
+                      <a:srgbClr val="E5ECF2">
                         <a:alpha val="100000"/>
                       </a:srgbClr>
                     </a:solidFill>
@@ -35369,7 +35534,7 @@
                       <a:prstDash val="solid"/>
                     </a:lnB>
                     <a:solidFill>
-                      <a:srgbClr val="E3E7E7">
+                      <a:srgbClr val="E5ECF2">
                         <a:alpha val="100000"/>
                       </a:srgbClr>
                     </a:solidFill>
@@ -35426,7 +35591,7 @@
                       <a:prstDash val="solid"/>
                     </a:lnB>
                     <a:solidFill>
-                      <a:srgbClr val="E3E7E7">
+                      <a:srgbClr val="E5ECF2">
                         <a:alpha val="100000"/>
                       </a:srgbClr>
                     </a:solidFill>
@@ -35483,7 +35648,7 @@
                       <a:prstDash val="solid"/>
                     </a:lnB>
                     <a:solidFill>
-                      <a:srgbClr val="E3E7E7">
+                      <a:srgbClr val="E5ECF2">
                         <a:alpha val="100000"/>
                       </a:srgbClr>
                     </a:solidFill>
@@ -35540,7 +35705,7 @@
                       <a:prstDash val="solid"/>
                     </a:lnB>
                     <a:solidFill>
-                      <a:srgbClr val="E3E7E7">
+                      <a:srgbClr val="E5ECF2">
                         <a:alpha val="100000"/>
                       </a:srgbClr>
                     </a:solidFill>
@@ -35597,7 +35762,7 @@
                       <a:prstDash val="solid"/>
                     </a:lnB>
                     <a:solidFill>
-                      <a:srgbClr val="E3E7E7">
+                      <a:srgbClr val="E5ECF2">
                         <a:alpha val="100000"/>
                       </a:srgbClr>
                     </a:solidFill>
@@ -35632,7 +35797,7 @@
                           <a:ea typeface="Arial"/>
                           <a:sym typeface="Arial"/>
                         </a:rPr>
-                        <a:t>10,28</a:t>
+                        <a:t>10,28 %</a:t>
                       </a:r>
                     </a:p>
                   </a:txBody>
@@ -35654,7 +35819,7 @@
                       <a:prstDash val="solid"/>
                     </a:lnB>
                     <a:solidFill>
-                      <a:srgbClr val="E3E7E7">
+                      <a:srgbClr val="E5ECF2">
                         <a:alpha val="100000"/>
                       </a:srgbClr>
                     </a:solidFill>
@@ -35689,7 +35854,7 @@
                           <a:ea typeface="Arial"/>
                           <a:sym typeface="Arial"/>
                         </a:rPr>
-                        <a:t>12,44</a:t>
+                        <a:t>12,44 %</a:t>
                       </a:r>
                     </a:p>
                   </a:txBody>
@@ -35711,7 +35876,7 @@
                       <a:prstDash val="solid"/>
                     </a:lnB>
                     <a:solidFill>
-                      <a:srgbClr val="E3E7E7">
+                      <a:srgbClr val="E5ECF2">
                         <a:alpha val="100000"/>
                       </a:srgbClr>
                     </a:solidFill>
@@ -35768,7 +35933,7 @@
                       <a:prstDash val="solid"/>
                     </a:lnB>
                     <a:solidFill>
-                      <a:srgbClr val="E3E7E7">
+                      <a:srgbClr val="E5ECF2">
                         <a:alpha val="100000"/>
                       </a:srgbClr>
                     </a:solidFill>
@@ -35803,7 +35968,7 @@
                           <a:ea typeface="Arial"/>
                           <a:sym typeface="Arial"/>
                         </a:rPr>
-                        <a:t>87</a:t>
+                        <a:t>86,60</a:t>
                       </a:r>
                     </a:p>
                   </a:txBody>
@@ -35825,7 +35990,7 @@
                       <a:prstDash val="solid"/>
                     </a:lnB>
                     <a:solidFill>
-                      <a:srgbClr val="E3E7E7">
+                      <a:srgbClr val="E5ECF2">
                         <a:alpha val="100000"/>
                       </a:srgbClr>
                     </a:solidFill>
@@ -35860,7 +36025,7 @@
                           <a:ea typeface="Arial"/>
                           <a:sym typeface="Arial"/>
                         </a:rPr>
-                        <a:t>87</a:t>
+                        <a:t>86,60</a:t>
                       </a:r>
                     </a:p>
                   </a:txBody>
@@ -35882,7 +36047,7 @@
                       <a:prstDash val="solid"/>
                     </a:lnB>
                     <a:solidFill>
-                      <a:srgbClr val="E3E7E7">
+                      <a:srgbClr val="E5ECF2">
                         <a:alpha val="100000"/>
                       </a:srgbClr>
                     </a:solidFill>
@@ -36480,7 +36645,7 @@
                       <a:r>
                         <a:rPr cap="none" sz="1100" i="0" b="0" u="none">
                           <a:solidFill>
-                            <a:srgbClr val="333333">
+                            <a:srgbClr val="BF1E2E">
                               <a:alpha val="100000"/>
                             </a:srgbClr>
                           </a:solidFill>
@@ -36489,7 +36654,7 @@
                           <a:ea typeface="Arial"/>
                           <a:sym typeface="Arial"/>
                         </a:rPr>
-                        <a:t>-3,14</a:t>
+                        <a:t>-3,14 %</a:t>
                       </a:r>
                     </a:p>
                   </a:txBody>
@@ -36546,7 +36711,7 @@
                           <a:ea typeface="Arial"/>
                           <a:sym typeface="Arial"/>
                         </a:rPr>
-                        <a:t>7,08</a:t>
+                        <a:t>7,08 %</a:t>
                       </a:r>
                     </a:p>
                   </a:txBody>
@@ -36651,7 +36816,7 @@
                       <a:r>
                         <a:rPr cap="none" sz="1100" i="0" b="0" u="none">
                           <a:solidFill>
-                            <a:srgbClr val="FF0000">
+                            <a:srgbClr val="BF1E2E">
                               <a:alpha val="100000"/>
                             </a:srgbClr>
                           </a:solidFill>
@@ -36660,7 +36825,7 @@
                           <a:ea typeface="Arial"/>
                           <a:sym typeface="Arial"/>
                         </a:rPr>
-                        <a:t>-150</a:t>
+                        <a:t>-150,03</a:t>
                       </a:r>
                     </a:p>
                   </a:txBody>
@@ -36708,7 +36873,7 @@
                       <a:r>
                         <a:rPr cap="none" sz="1100" i="0" b="0" u="none">
                           <a:solidFill>
-                            <a:srgbClr val="FF0000">
+                            <a:srgbClr val="BF1E2E">
                               <a:alpha val="100000"/>
                             </a:srgbClr>
                           </a:solidFill>
@@ -36717,7 +36882,7 @@
                           <a:ea typeface="Arial"/>
                           <a:sym typeface="Arial"/>
                         </a:rPr>
-                        <a:t>-63</a:t>
+                        <a:t>-63,42</a:t>
                       </a:r>
                     </a:p>
                   </a:txBody>
@@ -36798,7 +36963,7 @@
                       <a:prstDash val="solid"/>
                     </a:lnB>
                     <a:solidFill>
-                      <a:srgbClr val="E3E7E7">
+                      <a:srgbClr val="E5ECF2">
                         <a:alpha val="100000"/>
                       </a:srgbClr>
                     </a:solidFill>
@@ -36855,7 +37020,7 @@
                       <a:prstDash val="solid"/>
                     </a:lnB>
                     <a:solidFill>
-                      <a:srgbClr val="E3E7E7">
+                      <a:srgbClr val="E5ECF2">
                         <a:alpha val="100000"/>
                       </a:srgbClr>
                     </a:solidFill>
@@ -36912,7 +37077,7 @@
                       <a:prstDash val="solid"/>
                     </a:lnB>
                     <a:solidFill>
-                      <a:srgbClr val="E3E7E7">
+                      <a:srgbClr val="E5ECF2">
                         <a:alpha val="100000"/>
                       </a:srgbClr>
                     </a:solidFill>
@@ -36969,7 +37134,7 @@
                       <a:prstDash val="solid"/>
                     </a:lnB>
                     <a:solidFill>
-                      <a:srgbClr val="E3E7E7">
+                      <a:srgbClr val="E5ECF2">
                         <a:alpha val="100000"/>
                       </a:srgbClr>
                     </a:solidFill>
@@ -37026,7 +37191,7 @@
                       <a:prstDash val="solid"/>
                     </a:lnB>
                     <a:solidFill>
-                      <a:srgbClr val="E3E7E7">
+                      <a:srgbClr val="E5ECF2">
                         <a:alpha val="100000"/>
                       </a:srgbClr>
                     </a:solidFill>
@@ -37083,7 +37248,7 @@
                       <a:prstDash val="solid"/>
                     </a:lnB>
                     <a:solidFill>
-                      <a:srgbClr val="E3E7E7">
+                      <a:srgbClr val="E5ECF2">
                         <a:alpha val="100000"/>
                       </a:srgbClr>
                     </a:solidFill>
@@ -37140,7 +37305,7 @@
                       <a:prstDash val="solid"/>
                     </a:lnB>
                     <a:solidFill>
-                      <a:srgbClr val="E3E7E7">
+                      <a:srgbClr val="E5ECF2">
                         <a:alpha val="100000"/>
                       </a:srgbClr>
                     </a:solidFill>
@@ -37197,7 +37362,7 @@
                       <a:prstDash val="solid"/>
                     </a:lnB>
                     <a:solidFill>
-                      <a:srgbClr val="E3E7E7">
+                      <a:srgbClr val="E5ECF2">
                         <a:alpha val="100000"/>
                       </a:srgbClr>
                     </a:solidFill>
@@ -37254,7 +37419,7 @@
                       <a:prstDash val="solid"/>
                     </a:lnB>
                     <a:solidFill>
-                      <a:srgbClr val="E3E7E7">
+                      <a:srgbClr val="E5ECF2">
                         <a:alpha val="100000"/>
                       </a:srgbClr>
                     </a:solidFill>
@@ -37311,7 +37476,7 @@
                       <a:prstDash val="solid"/>
                     </a:lnB>
                     <a:solidFill>
-                      <a:srgbClr val="E3E7E7">
+                      <a:srgbClr val="E5ECF2">
                         <a:alpha val="100000"/>
                       </a:srgbClr>
                     </a:solidFill>
@@ -37346,7 +37511,7 @@
                           <a:ea typeface="Arial"/>
                           <a:sym typeface="Arial"/>
                         </a:rPr>
-                        <a:t>4,48</a:t>
+                        <a:t>4,48 %</a:t>
                       </a:r>
                     </a:p>
                   </a:txBody>
@@ -37368,7 +37533,7 @@
                       <a:prstDash val="solid"/>
                     </a:lnB>
                     <a:solidFill>
-                      <a:srgbClr val="E3E7E7">
+                      <a:srgbClr val="E5ECF2">
                         <a:alpha val="100000"/>
                       </a:srgbClr>
                     </a:solidFill>
@@ -37403,7 +37568,7 @@
                           <a:ea typeface="Arial"/>
                           <a:sym typeface="Arial"/>
                         </a:rPr>
-                        <a:t>6,39</a:t>
+                        <a:t>6,39 %</a:t>
                       </a:r>
                     </a:p>
                   </a:txBody>
@@ -37425,7 +37590,7 @@
                       <a:prstDash val="solid"/>
                     </a:lnB>
                     <a:solidFill>
-                      <a:srgbClr val="E3E7E7">
+                      <a:srgbClr val="E5ECF2">
                         <a:alpha val="100000"/>
                       </a:srgbClr>
                     </a:solidFill>
@@ -37482,7 +37647,7 @@
                       <a:prstDash val="solid"/>
                     </a:lnB>
                     <a:solidFill>
-                      <a:srgbClr val="E3E7E7">
+                      <a:srgbClr val="E5ECF2">
                         <a:alpha val="100000"/>
                       </a:srgbClr>
                     </a:solidFill>
@@ -37517,7 +37682,7 @@
                           <a:ea typeface="Arial"/>
                           <a:sym typeface="Arial"/>
                         </a:rPr>
-                        <a:t>192</a:t>
+                        <a:t>192,30</a:t>
                       </a:r>
                     </a:p>
                   </a:txBody>
@@ -37539,7 +37704,7 @@
                       <a:prstDash val="solid"/>
                     </a:lnB>
                     <a:solidFill>
-                      <a:srgbClr val="E3E7E7">
+                      <a:srgbClr val="E5ECF2">
                         <a:alpha val="100000"/>
                       </a:srgbClr>
                     </a:solidFill>
@@ -37574,7 +37739,7 @@
                           <a:ea typeface="Arial"/>
                           <a:sym typeface="Arial"/>
                         </a:rPr>
-                        <a:t>129</a:t>
+                        <a:t>128,87</a:t>
                       </a:r>
                     </a:p>
                   </a:txBody>
@@ -37596,7 +37761,7 @@
                       <a:prstDash val="solid"/>
                     </a:lnB>
                     <a:solidFill>
-                      <a:srgbClr val="E3E7E7">
+                      <a:srgbClr val="E5ECF2">
                         <a:alpha val="100000"/>
                       </a:srgbClr>
                     </a:solidFill>
@@ -38203,7 +38368,7 @@
                           <a:ea typeface="Arial"/>
                           <a:sym typeface="Arial"/>
                         </a:rPr>
-                        <a:t>17,06</a:t>
+                        <a:t>17,06 %</a:t>
                       </a:r>
                     </a:p>
                   </a:txBody>
@@ -38260,7 +38425,7 @@
                           <a:ea typeface="Arial"/>
                           <a:sym typeface="Arial"/>
                         </a:rPr>
-                        <a:t>8,56</a:t>
+                        <a:t>8,56 %</a:t>
                       </a:r>
                     </a:p>
                   </a:txBody>
@@ -38374,7 +38539,7 @@
                           <a:ea typeface="Arial"/>
                           <a:sym typeface="Arial"/>
                         </a:rPr>
-                        <a:t>0</a:t>
+                        <a:t>0,04</a:t>
                       </a:r>
                     </a:p>
                   </a:txBody>
@@ -38431,7 +38596,7 @@
                           <a:ea typeface="Arial"/>
                           <a:sym typeface="Arial"/>
                         </a:rPr>
-                        <a:t>129</a:t>
+                        <a:t>128,91</a:t>
                       </a:r>
                     </a:p>
                   </a:txBody>
@@ -38512,7 +38677,7 @@
                       <a:prstDash val="solid"/>
                     </a:lnB>
                     <a:solidFill>
-                      <a:srgbClr val="E3E7E7">
+                      <a:srgbClr val="E5ECF2">
                         <a:alpha val="100000"/>
                       </a:srgbClr>
                     </a:solidFill>
@@ -38569,7 +38734,7 @@
                       <a:prstDash val="solid"/>
                     </a:lnB>
                     <a:solidFill>
-                      <a:srgbClr val="E3E7E7">
+                      <a:srgbClr val="E5ECF2">
                         <a:alpha val="100000"/>
                       </a:srgbClr>
                     </a:solidFill>
@@ -38626,7 +38791,7 @@
                       <a:prstDash val="solid"/>
                     </a:lnB>
                     <a:solidFill>
-                      <a:srgbClr val="E3E7E7">
+                      <a:srgbClr val="E5ECF2">
                         <a:alpha val="100000"/>
                       </a:srgbClr>
                     </a:solidFill>
@@ -38683,7 +38848,7 @@
                       <a:prstDash val="solid"/>
                     </a:lnB>
                     <a:solidFill>
-                      <a:srgbClr val="E3E7E7">
+                      <a:srgbClr val="E5ECF2">
                         <a:alpha val="100000"/>
                       </a:srgbClr>
                     </a:solidFill>
@@ -38740,7 +38905,7 @@
                       <a:prstDash val="solid"/>
                     </a:lnB>
                     <a:solidFill>
-                      <a:srgbClr val="E3E7E7">
+                      <a:srgbClr val="E5ECF2">
                         <a:alpha val="100000"/>
                       </a:srgbClr>
                     </a:solidFill>
@@ -38797,7 +38962,7 @@
                       <a:prstDash val="solid"/>
                     </a:lnB>
                     <a:solidFill>
-                      <a:srgbClr val="E3E7E7">
+                      <a:srgbClr val="E5ECF2">
                         <a:alpha val="100000"/>
                       </a:srgbClr>
                     </a:solidFill>
@@ -38854,7 +39019,7 @@
                       <a:prstDash val="solid"/>
                     </a:lnB>
                     <a:solidFill>
-                      <a:srgbClr val="E3E7E7">
+                      <a:srgbClr val="E5ECF2">
                         <a:alpha val="100000"/>
                       </a:srgbClr>
                     </a:solidFill>
@@ -38911,7 +39076,7 @@
                       <a:prstDash val="solid"/>
                     </a:lnB>
                     <a:solidFill>
-                      <a:srgbClr val="E3E7E7">
+                      <a:srgbClr val="E5ECF2">
                         <a:alpha val="100000"/>
                       </a:srgbClr>
                     </a:solidFill>
@@ -38968,7 +39133,7 @@
                       <a:prstDash val="solid"/>
                     </a:lnB>
                     <a:solidFill>
-                      <a:srgbClr val="E3E7E7">
+                      <a:srgbClr val="E5ECF2">
                         <a:alpha val="100000"/>
                       </a:srgbClr>
                     </a:solidFill>
@@ -39025,7 +39190,7 @@
                       <a:prstDash val="solid"/>
                     </a:lnB>
                     <a:solidFill>
-                      <a:srgbClr val="E3E7E7">
+                      <a:srgbClr val="E5ECF2">
                         <a:alpha val="100000"/>
                       </a:srgbClr>
                     </a:solidFill>
@@ -39060,7 +39225,7 @@
                           <a:ea typeface="Arial"/>
                           <a:sym typeface="Arial"/>
                         </a:rPr>
-                        <a:t>15,41</a:t>
+                        <a:t>15,41 %</a:t>
                       </a:r>
                     </a:p>
                   </a:txBody>
@@ -39082,7 +39247,7 @@
                       <a:prstDash val="solid"/>
                     </a:lnB>
                     <a:solidFill>
-                      <a:srgbClr val="E3E7E7">
+                      <a:srgbClr val="E5ECF2">
                         <a:alpha val="100000"/>
                       </a:srgbClr>
                     </a:solidFill>
@@ -39117,7 +39282,7 @@
                           <a:ea typeface="Arial"/>
                           <a:sym typeface="Arial"/>
                         </a:rPr>
-                        <a:t>9,69</a:t>
+                        <a:t>9,69 %</a:t>
                       </a:r>
                     </a:p>
                   </a:txBody>
@@ -39139,7 +39304,7 @@
                       <a:prstDash val="solid"/>
                     </a:lnB>
                     <a:solidFill>
-                      <a:srgbClr val="E3E7E7">
+                      <a:srgbClr val="E5ECF2">
                         <a:alpha val="100000"/>
                       </a:srgbClr>
                     </a:solidFill>
@@ -39196,7 +39361,7 @@
                       <a:prstDash val="solid"/>
                     </a:lnB>
                     <a:solidFill>
-                      <a:srgbClr val="E3E7E7">
+                      <a:srgbClr val="E5ECF2">
                         <a:alpha val="100000"/>
                       </a:srgbClr>
                     </a:solidFill>
@@ -39231,7 +39396,7 @@
                           <a:ea typeface="Arial"/>
                           <a:sym typeface="Arial"/>
                         </a:rPr>
-                        <a:t>24</a:t>
+                        <a:t>24,50</a:t>
                       </a:r>
                     </a:p>
                   </a:txBody>
@@ -39253,7 +39418,7 @@
                       <a:prstDash val="solid"/>
                     </a:lnB>
                     <a:solidFill>
-                      <a:srgbClr val="E3E7E7">
+                      <a:srgbClr val="E5ECF2">
                         <a:alpha val="100000"/>
                       </a:srgbClr>
                     </a:solidFill>
@@ -39288,7 +39453,7 @@
                           <a:ea typeface="Arial"/>
                           <a:sym typeface="Arial"/>
                         </a:rPr>
-                        <a:t>153</a:t>
+                        <a:t>153,41</a:t>
                       </a:r>
                     </a:p>
                   </a:txBody>
@@ -39310,7 +39475,7 @@
                       <a:prstDash val="solid"/>
                     </a:lnB>
                     <a:solidFill>
-                      <a:srgbClr val="E3E7E7">
+                      <a:srgbClr val="E5ECF2">
                         <a:alpha val="100000"/>
                       </a:srgbClr>
                     </a:solidFill>
@@ -40226,7 +40391,7 @@
                       <a:prstDash val="solid"/>
                     </a:lnB>
                     <a:solidFill>
-                      <a:srgbClr val="E3E7E7">
+                      <a:srgbClr val="E5ECF2">
                         <a:alpha val="100000"/>
                       </a:srgbClr>
                     </a:solidFill>
@@ -40283,7 +40448,7 @@
                       <a:prstDash val="solid"/>
                     </a:lnB>
                     <a:solidFill>
-                      <a:srgbClr val="E3E7E7">
+                      <a:srgbClr val="E5ECF2">
                         <a:alpha val="100000"/>
                       </a:srgbClr>
                     </a:solidFill>
@@ -40340,7 +40505,7 @@
                       <a:prstDash val="solid"/>
                     </a:lnB>
                     <a:solidFill>
-                      <a:srgbClr val="E3E7E7">
+                      <a:srgbClr val="E5ECF2">
                         <a:alpha val="100000"/>
                       </a:srgbClr>
                     </a:solidFill>
@@ -40397,7 +40562,7 @@
                       <a:prstDash val="solid"/>
                     </a:lnB>
                     <a:solidFill>
-                      <a:srgbClr val="E3E7E7">
+                      <a:srgbClr val="E5ECF2">
                         <a:alpha val="100000"/>
                       </a:srgbClr>
                     </a:solidFill>
@@ -40454,7 +40619,7 @@
                       <a:prstDash val="solid"/>
                     </a:lnB>
                     <a:solidFill>
-                      <a:srgbClr val="E3E7E7">
+                      <a:srgbClr val="E5ECF2">
                         <a:alpha val="100000"/>
                       </a:srgbClr>
                     </a:solidFill>
@@ -40511,7 +40676,7 @@
                       <a:prstDash val="solid"/>
                     </a:lnB>
                     <a:solidFill>
-                      <a:srgbClr val="E3E7E7">
+                      <a:srgbClr val="E5ECF2">
                         <a:alpha val="100000"/>
                       </a:srgbClr>
                     </a:solidFill>
@@ -40568,7 +40733,7 @@
                       <a:prstDash val="solid"/>
                     </a:lnB>
                     <a:solidFill>
-                      <a:srgbClr val="E3E7E7">
+                      <a:srgbClr val="E5ECF2">
                         <a:alpha val="100000"/>
                       </a:srgbClr>
                     </a:solidFill>
@@ -40625,7 +40790,7 @@
                       <a:prstDash val="solid"/>
                     </a:lnB>
                     <a:solidFill>
-                      <a:srgbClr val="E3E7E7">
+                      <a:srgbClr val="E5ECF2">
                         <a:alpha val="100000"/>
                       </a:srgbClr>
                     </a:solidFill>
@@ -40682,7 +40847,7 @@
                       <a:prstDash val="solid"/>
                     </a:lnB>
                     <a:solidFill>
-                      <a:srgbClr val="E3E7E7">
+                      <a:srgbClr val="E5ECF2">
                         <a:alpha val="100000"/>
                       </a:srgbClr>
                     </a:solidFill>
@@ -40739,7 +40904,7 @@
                       <a:prstDash val="solid"/>
                     </a:lnB>
                     <a:solidFill>
-                      <a:srgbClr val="E3E7E7">
+                      <a:srgbClr val="E5ECF2">
                         <a:alpha val="100000"/>
                       </a:srgbClr>
                     </a:solidFill>
@@ -40796,7 +40961,7 @@
                       <a:prstDash val="solid"/>
                     </a:lnB>
                     <a:solidFill>
-                      <a:srgbClr val="E3E7E7">
+                      <a:srgbClr val="E5ECF2">
                         <a:alpha val="100000"/>
                       </a:srgbClr>
                     </a:solidFill>
@@ -40853,7 +41018,7 @@
                       <a:prstDash val="solid"/>
                     </a:lnB>
                     <a:solidFill>
-                      <a:srgbClr val="E3E7E7">
+                      <a:srgbClr val="E5ECF2">
                         <a:alpha val="100000"/>
                       </a:srgbClr>
                     </a:solidFill>
@@ -40910,7 +41075,7 @@
                       <a:prstDash val="solid"/>
                     </a:lnB>
                     <a:solidFill>
-                      <a:srgbClr val="E3E7E7">
+                      <a:srgbClr val="E5ECF2">
                         <a:alpha val="100000"/>
                       </a:srgbClr>
                     </a:solidFill>
@@ -40967,7 +41132,7 @@
                       <a:prstDash val="solid"/>
                     </a:lnB>
                     <a:solidFill>
-                      <a:srgbClr val="E3E7E7">
+                      <a:srgbClr val="E5ECF2">
                         <a:alpha val="100000"/>
                       </a:srgbClr>
                     </a:solidFill>
@@ -41024,7 +41189,7 @@
                       <a:prstDash val="solid"/>
                     </a:lnB>
                     <a:solidFill>
-                      <a:srgbClr val="E3E7E7">
+                      <a:srgbClr val="E5ECF2">
                         <a:alpha val="100000"/>
                       </a:srgbClr>
                     </a:solidFill>
@@ -41940,7 +42105,7 @@
                       <a:prstDash val="solid"/>
                     </a:lnB>
                     <a:solidFill>
-                      <a:srgbClr val="E3E7E7">
+                      <a:srgbClr val="E5ECF2">
                         <a:alpha val="100000"/>
                       </a:srgbClr>
                     </a:solidFill>
@@ -41997,7 +42162,7 @@
                       <a:prstDash val="solid"/>
                     </a:lnB>
                     <a:solidFill>
-                      <a:srgbClr val="E3E7E7">
+                      <a:srgbClr val="E5ECF2">
                         <a:alpha val="100000"/>
                       </a:srgbClr>
                     </a:solidFill>
@@ -42054,7 +42219,7 @@
                       <a:prstDash val="solid"/>
                     </a:lnB>
                     <a:solidFill>
-                      <a:srgbClr val="E3E7E7">
+                      <a:srgbClr val="E5ECF2">
                         <a:alpha val="100000"/>
                       </a:srgbClr>
                     </a:solidFill>
@@ -42111,7 +42276,7 @@
                       <a:prstDash val="solid"/>
                     </a:lnB>
                     <a:solidFill>
-                      <a:srgbClr val="E3E7E7">
+                      <a:srgbClr val="E5ECF2">
                         <a:alpha val="100000"/>
                       </a:srgbClr>
                     </a:solidFill>
@@ -42168,7 +42333,7 @@
                       <a:prstDash val="solid"/>
                     </a:lnB>
                     <a:solidFill>
-                      <a:srgbClr val="E3E7E7">
+                      <a:srgbClr val="E5ECF2">
                         <a:alpha val="100000"/>
                       </a:srgbClr>
                     </a:solidFill>
@@ -42225,7 +42390,7 @@
                       <a:prstDash val="solid"/>
                     </a:lnB>
                     <a:solidFill>
-                      <a:srgbClr val="E3E7E7">
+                      <a:srgbClr val="E5ECF2">
                         <a:alpha val="100000"/>
                       </a:srgbClr>
                     </a:solidFill>
@@ -42282,7 +42447,7 @@
                       <a:prstDash val="solid"/>
                     </a:lnB>
                     <a:solidFill>
-                      <a:srgbClr val="E3E7E7">
+                      <a:srgbClr val="E5ECF2">
                         <a:alpha val="100000"/>
                       </a:srgbClr>
                     </a:solidFill>
@@ -42339,7 +42504,7 @@
                       <a:prstDash val="solid"/>
                     </a:lnB>
                     <a:solidFill>
-                      <a:srgbClr val="E3E7E7">
+                      <a:srgbClr val="E5ECF2">
                         <a:alpha val="100000"/>
                       </a:srgbClr>
                     </a:solidFill>
@@ -42396,7 +42561,7 @@
                       <a:prstDash val="solid"/>
                     </a:lnB>
                     <a:solidFill>
-                      <a:srgbClr val="E3E7E7">
+                      <a:srgbClr val="E5ECF2">
                         <a:alpha val="100000"/>
                       </a:srgbClr>
                     </a:solidFill>
@@ -42453,7 +42618,7 @@
                       <a:prstDash val="solid"/>
                     </a:lnB>
                     <a:solidFill>
-                      <a:srgbClr val="E3E7E7">
+                      <a:srgbClr val="E5ECF2">
                         <a:alpha val="100000"/>
                       </a:srgbClr>
                     </a:solidFill>
@@ -42510,7 +42675,7 @@
                       <a:prstDash val="solid"/>
                     </a:lnB>
                     <a:solidFill>
-                      <a:srgbClr val="E3E7E7">
+                      <a:srgbClr val="E5ECF2">
                         <a:alpha val="100000"/>
                       </a:srgbClr>
                     </a:solidFill>
@@ -42567,7 +42732,7 @@
                       <a:prstDash val="solid"/>
                     </a:lnB>
                     <a:solidFill>
-                      <a:srgbClr val="E3E7E7">
+                      <a:srgbClr val="E5ECF2">
                         <a:alpha val="100000"/>
                       </a:srgbClr>
                     </a:solidFill>
@@ -42624,7 +42789,7 @@
                       <a:prstDash val="solid"/>
                     </a:lnB>
                     <a:solidFill>
-                      <a:srgbClr val="E3E7E7">
+                      <a:srgbClr val="E5ECF2">
                         <a:alpha val="100000"/>
                       </a:srgbClr>
                     </a:solidFill>
@@ -42681,7 +42846,7 @@
                       <a:prstDash val="solid"/>
                     </a:lnB>
                     <a:solidFill>
-                      <a:srgbClr val="E3E7E7">
+                      <a:srgbClr val="E5ECF2">
                         <a:alpha val="100000"/>
                       </a:srgbClr>
                     </a:solidFill>
@@ -42738,7 +42903,7 @@
                       <a:prstDash val="solid"/>
                     </a:lnB>
                     <a:solidFill>
-                      <a:srgbClr val="E3E7E7">
+                      <a:srgbClr val="E5ECF2">
                         <a:alpha val="100000"/>
                       </a:srgbClr>
                     </a:solidFill>
@@ -43654,7 +43819,7 @@
                       <a:prstDash val="solid"/>
                     </a:lnB>
                     <a:solidFill>
-                      <a:srgbClr val="E3E7E7">
+                      <a:srgbClr val="E5ECF2">
                         <a:alpha val="100000"/>
                       </a:srgbClr>
                     </a:solidFill>
@@ -43711,7 +43876,7 @@
                       <a:prstDash val="solid"/>
                     </a:lnB>
                     <a:solidFill>
-                      <a:srgbClr val="E3E7E7">
+                      <a:srgbClr val="E5ECF2">
                         <a:alpha val="100000"/>
                       </a:srgbClr>
                     </a:solidFill>
@@ -43768,7 +43933,7 @@
                       <a:prstDash val="solid"/>
                     </a:lnB>
                     <a:solidFill>
-                      <a:srgbClr val="E3E7E7">
+                      <a:srgbClr val="E5ECF2">
                         <a:alpha val="100000"/>
                       </a:srgbClr>
                     </a:solidFill>
@@ -43825,7 +43990,7 @@
                       <a:prstDash val="solid"/>
                     </a:lnB>
                     <a:solidFill>
-                      <a:srgbClr val="E3E7E7">
+                      <a:srgbClr val="E5ECF2">
                         <a:alpha val="100000"/>
                       </a:srgbClr>
                     </a:solidFill>
@@ -43882,7 +44047,7 @@
                       <a:prstDash val="solid"/>
                     </a:lnB>
                     <a:solidFill>
-                      <a:srgbClr val="E3E7E7">
+                      <a:srgbClr val="E5ECF2">
                         <a:alpha val="100000"/>
                       </a:srgbClr>
                     </a:solidFill>
@@ -43939,7 +44104,7 @@
                       <a:prstDash val="solid"/>
                     </a:lnB>
                     <a:solidFill>
-                      <a:srgbClr val="E3E7E7">
+                      <a:srgbClr val="E5ECF2">
                         <a:alpha val="100000"/>
                       </a:srgbClr>
                     </a:solidFill>
@@ -43996,7 +44161,7 @@
                       <a:prstDash val="solid"/>
                     </a:lnB>
                     <a:solidFill>
-                      <a:srgbClr val="E3E7E7">
+                      <a:srgbClr val="E5ECF2">
                         <a:alpha val="100000"/>
                       </a:srgbClr>
                     </a:solidFill>
@@ -44053,7 +44218,7 @@
                       <a:prstDash val="solid"/>
                     </a:lnB>
                     <a:solidFill>
-                      <a:srgbClr val="E3E7E7">
+                      <a:srgbClr val="E5ECF2">
                         <a:alpha val="100000"/>
                       </a:srgbClr>
                     </a:solidFill>
@@ -44110,7 +44275,7 @@
                       <a:prstDash val="solid"/>
                     </a:lnB>
                     <a:solidFill>
-                      <a:srgbClr val="E3E7E7">
+                      <a:srgbClr val="E5ECF2">
                         <a:alpha val="100000"/>
                       </a:srgbClr>
                     </a:solidFill>
@@ -44167,7 +44332,7 @@
                       <a:prstDash val="solid"/>
                     </a:lnB>
                     <a:solidFill>
-                      <a:srgbClr val="E3E7E7">
+                      <a:srgbClr val="E5ECF2">
                         <a:alpha val="100000"/>
                       </a:srgbClr>
                     </a:solidFill>
@@ -44224,7 +44389,7 @@
                       <a:prstDash val="solid"/>
                     </a:lnB>
                     <a:solidFill>
-                      <a:srgbClr val="E3E7E7">
+                      <a:srgbClr val="E5ECF2">
                         <a:alpha val="100000"/>
                       </a:srgbClr>
                     </a:solidFill>
@@ -44281,7 +44446,7 @@
                       <a:prstDash val="solid"/>
                     </a:lnB>
                     <a:solidFill>
-                      <a:srgbClr val="E3E7E7">
+                      <a:srgbClr val="E5ECF2">
                         <a:alpha val="100000"/>
                       </a:srgbClr>
                     </a:solidFill>
@@ -44338,7 +44503,7 @@
                       <a:prstDash val="solid"/>
                     </a:lnB>
                     <a:solidFill>
-                      <a:srgbClr val="E3E7E7">
+                      <a:srgbClr val="E5ECF2">
                         <a:alpha val="100000"/>
                       </a:srgbClr>
                     </a:solidFill>
@@ -44395,7 +44560,7 @@
                       <a:prstDash val="solid"/>
                     </a:lnB>
                     <a:solidFill>
-                      <a:srgbClr val="E3E7E7">
+                      <a:srgbClr val="E5ECF2">
                         <a:alpha val="100000"/>
                       </a:srgbClr>
                     </a:solidFill>
@@ -44452,7 +44617,7 @@
                       <a:prstDash val="solid"/>
                     </a:lnB>
                     <a:solidFill>
-                      <a:srgbClr val="E3E7E7">
+                      <a:srgbClr val="E5ECF2">
                         <a:alpha val="100000"/>
                       </a:srgbClr>
                     </a:solidFill>
@@ -44475,7 +44640,7 @@
         </p:nvSpPr>
         <p:spPr>
           <a:xfrm>
-            <a:off x="5029200" y="914400"/>
+            <a:off x="5303520" y="822960"/>
             <a:ext cx="5943600" cy="274320"/>
           </a:xfrm>
         </p:spPr>
@@ -44524,7 +44689,7 @@
         </p:nvSpPr>
         <p:spPr>
           <a:xfrm>
-            <a:off x="0" y="804672"/>
+            <a:off x="164592" y="877824"/>
             <a:ext cx="1828800" cy="183794"/>
           </a:xfrm>
         </p:spPr>
@@ -44635,9 +44800,9 @@
         <a:srgbClr val="954F72"/>
       </a:folHlink>
     </a:clrScheme>
-    <a:fontScheme name="Escritório">
+    <a:fontScheme name="Office 2007 - 2010">
       <a:majorFont>
-        <a:latin typeface="Calibri Light" panose="020F0302020204030204"/>
+        <a:latin typeface="Calibri"/>
         <a:ea typeface=""/>
         <a:cs typeface=""/>
         <a:font script="Jpan" typeface="ＭＳ Ｐゴシック"/>
@@ -44672,7 +44837,7 @@
         <a:font script="Geor" typeface="Sylfaen"/>
       </a:majorFont>
       <a:minorFont>
-        <a:latin typeface="Calibri" panose="020F0502020204030204"/>
+        <a:latin typeface="Calibri"/>
         <a:ea typeface=""/>
         <a:cs typeface=""/>
         <a:font script="Jpan" typeface="ＭＳ Ｐゴシック"/>
